--- a/New-Media-Projects/Empathize/Midterm Presentation.pptx
+++ b/New-Media-Projects/Empathize/Midterm Presentation.pptx
@@ -1118,7 +1118,7 @@
   <p:cSld>
     <p:spTree>
       <p:nvGrpSpPr>
-        <p:cNvPr id="164" name="Shape 164"/>
+        <p:cNvPr id="158" name="Shape 158"/>
         <p:cNvGrpSpPr/>
         <p:nvPr/>
       </p:nvGrpSpPr>
@@ -1132,7 +1132,7 @@
       </p:grpSpPr>
       <p:sp>
         <p:nvSpPr>
-          <p:cNvPr id="165" name="Google Shape;165;g28edaf20935_1_12:notes"/>
+          <p:cNvPr id="159" name="Google Shape;159;g28edaf20935_1_12:notes"/>
           <p:cNvSpPr/>
           <p:nvPr>
             <p:ph idx="2" type="sldImg"/>
@@ -1167,7 +1167,7 @@
       </p:sp>
       <p:sp>
         <p:nvSpPr>
-          <p:cNvPr id="166" name="Google Shape;166;g28edaf20935_1_12:notes"/>
+          <p:cNvPr id="160" name="Google Shape;160;g28edaf20935_1_12:notes"/>
           <p:cNvSpPr txBox="1"/>
           <p:nvPr>
             <p:ph idx="1" type="body"/>
@@ -1217,7 +1217,7 @@
   <p:cSld>
     <p:spTree>
       <p:nvGrpSpPr>
-        <p:cNvPr id="175" name="Shape 175"/>
+        <p:cNvPr id="169" name="Shape 169"/>
         <p:cNvGrpSpPr/>
         <p:nvPr/>
       </p:nvGrpSpPr>
@@ -1231,7 +1231,7 @@
       </p:grpSpPr>
       <p:sp>
         <p:nvSpPr>
-          <p:cNvPr id="176" name="Google Shape;176;g2beb77c0351_0_18:notes"/>
+          <p:cNvPr id="170" name="Google Shape;170;g2beb77c0351_0_18:notes"/>
           <p:cNvSpPr/>
           <p:nvPr>
             <p:ph idx="2" type="sldImg"/>
@@ -1266,7 +1266,7 @@
       </p:sp>
       <p:sp>
         <p:nvSpPr>
-          <p:cNvPr id="177" name="Google Shape;177;g2beb77c0351_0_18:notes"/>
+          <p:cNvPr id="171" name="Google Shape;171;g2beb77c0351_0_18:notes"/>
           <p:cNvSpPr txBox="1"/>
           <p:nvPr>
             <p:ph idx="1" type="body"/>
@@ -1316,7 +1316,7 @@
   <p:cSld>
     <p:spTree>
       <p:nvGrpSpPr>
-        <p:cNvPr id="206" name="Shape 206"/>
+        <p:cNvPr id="180" name="Shape 180"/>
         <p:cNvGrpSpPr/>
         <p:nvPr/>
       </p:nvGrpSpPr>
@@ -1330,7 +1330,7 @@
       </p:grpSpPr>
       <p:sp>
         <p:nvSpPr>
-          <p:cNvPr id="207" name="Google Shape;207;g2beb77c0351_0_0:notes"/>
+          <p:cNvPr id="181" name="Google Shape;181;g2c34035506f_0_0:notes"/>
           <p:cNvSpPr/>
           <p:nvPr>
             <p:ph idx="2" type="sldImg"/>
@@ -1365,7 +1365,7 @@
       </p:sp>
       <p:sp>
         <p:nvSpPr>
-          <p:cNvPr id="208" name="Google Shape;208;g2beb77c0351_0_0:notes"/>
+          <p:cNvPr id="182" name="Google Shape;182;g2c34035506f_0_0:notes"/>
           <p:cNvSpPr txBox="1"/>
           <p:nvPr>
             <p:ph idx="1" type="body"/>
@@ -1415,7 +1415,7 @@
   <p:cSld>
     <p:spTree>
       <p:nvGrpSpPr>
-        <p:cNvPr id="213" name="Shape 213"/>
+        <p:cNvPr id="186" name="Shape 186"/>
         <p:cNvGrpSpPr/>
         <p:nvPr/>
       </p:nvGrpSpPr>
@@ -1429,7 +1429,7 @@
       </p:grpSpPr>
       <p:sp>
         <p:nvSpPr>
-          <p:cNvPr id="214" name="Google Shape;214;g2beb77c0351_0_64:notes"/>
+          <p:cNvPr id="187" name="Google Shape;187;g2c34035506f_0_5:notes"/>
           <p:cNvSpPr/>
           <p:nvPr>
             <p:ph idx="2" type="sldImg"/>
@@ -1464,7 +1464,7 @@
       </p:sp>
       <p:sp>
         <p:nvSpPr>
-          <p:cNvPr id="215" name="Google Shape;215;g2beb77c0351_0_64:notes"/>
+          <p:cNvPr id="188" name="Google Shape;188;g2c34035506f_0_5:notes"/>
           <p:cNvSpPr txBox="1"/>
           <p:nvPr>
             <p:ph idx="1" type="body"/>
@@ -1514,7 +1514,7 @@
   <p:cSld>
     <p:spTree>
       <p:nvGrpSpPr>
-        <p:cNvPr id="219" name="Shape 219"/>
+        <p:cNvPr id="192" name="Shape 192"/>
         <p:cNvGrpSpPr/>
         <p:nvPr/>
       </p:nvGrpSpPr>
@@ -1528,7 +1528,7 @@
       </p:grpSpPr>
       <p:sp>
         <p:nvSpPr>
-          <p:cNvPr id="220" name="Google Shape;220;g1f101183d62_0_0:notes"/>
+          <p:cNvPr id="193" name="Google Shape;193;g1f101183d62_0_0:notes"/>
           <p:cNvSpPr/>
           <p:nvPr>
             <p:ph idx="2" type="sldImg"/>
@@ -1563,7 +1563,7 @@
       </p:sp>
       <p:sp>
         <p:nvSpPr>
-          <p:cNvPr id="221" name="Google Shape;221;g1f101183d62_0_0:notes"/>
+          <p:cNvPr id="194" name="Google Shape;194;g1f101183d62_0_0:notes"/>
           <p:cNvSpPr txBox="1"/>
           <p:nvPr>
             <p:ph idx="1" type="body"/>
@@ -10267,168 +10267,6 @@
       <p:sp>
         <p:nvSpPr>
           <p:cNvPr id="155" name="Google Shape;155;p16"/>
-          <p:cNvSpPr/>
-          <p:nvPr/>
-        </p:nvSpPr>
-        <p:spPr>
-          <a:xfrm>
-            <a:off x="4989000" y="3678075"/>
-            <a:ext cx="2103900" cy="703800"/>
-          </a:xfrm>
-          <a:prstGeom prst="rect">
-            <a:avLst/>
-          </a:prstGeom>
-          <a:solidFill>
-            <a:srgbClr val="A4C2F4"/>
-          </a:solidFill>
-          <a:ln cap="flat" cmpd="sng" w="9525">
-            <a:solidFill>
-              <a:schemeClr val="dk2"/>
-            </a:solidFill>
-            <a:prstDash val="solid"/>
-            <a:round/>
-            <a:headEnd len="sm" w="sm" type="none"/>
-            <a:tailEnd len="sm" w="sm" type="none"/>
-          </a:ln>
-        </p:spPr>
-        <p:txBody>
-          <a:bodyPr anchorCtr="0" anchor="ctr" bIns="91425" lIns="91425" spcFirstLastPara="1" rIns="91425" wrap="square" tIns="91425">
-            <a:noAutofit/>
-          </a:bodyPr>
-          <a:lstStyle/>
-          <a:p>
-            <a:pPr indent="0" lvl="0" marL="0" rtl="0" algn="ctr">
-              <a:spcBef>
-                <a:spcPts val="0"/>
-              </a:spcBef>
-              <a:spcAft>
-                <a:spcPts val="0"/>
-              </a:spcAft>
-              <a:buNone/>
-            </a:pPr>
-            <a:r>
-              <a:t/>
-            </a:r>
-            <a:endParaRPr>
-              <a:latin typeface="Lato"/>
-              <a:ea typeface="Lato"/>
-              <a:cs typeface="Lato"/>
-              <a:sym typeface="Lato"/>
-            </a:endParaRPr>
-          </a:p>
-        </p:txBody>
-      </p:sp>
-      <p:sp>
-        <p:nvSpPr>
-          <p:cNvPr id="156" name="Google Shape;156;p16"/>
-          <p:cNvSpPr/>
-          <p:nvPr/>
-        </p:nvSpPr>
-        <p:spPr>
-          <a:xfrm>
-            <a:off x="4989000" y="2656488"/>
-            <a:ext cx="2103900" cy="703800"/>
-          </a:xfrm>
-          <a:prstGeom prst="rect">
-            <a:avLst/>
-          </a:prstGeom>
-          <a:solidFill>
-            <a:srgbClr val="A4C2F4"/>
-          </a:solidFill>
-          <a:ln cap="flat" cmpd="sng" w="9525">
-            <a:solidFill>
-              <a:schemeClr val="dk2"/>
-            </a:solidFill>
-            <a:prstDash val="solid"/>
-            <a:round/>
-            <a:headEnd len="sm" w="sm" type="none"/>
-            <a:tailEnd len="sm" w="sm" type="none"/>
-          </a:ln>
-        </p:spPr>
-        <p:txBody>
-          <a:bodyPr anchorCtr="0" anchor="ctr" bIns="91425" lIns="91425" spcFirstLastPara="1" rIns="91425" wrap="square" tIns="91425">
-            <a:noAutofit/>
-          </a:bodyPr>
-          <a:lstStyle/>
-          <a:p>
-            <a:pPr indent="0" lvl="0" marL="0" rtl="0" algn="ctr">
-              <a:spcBef>
-                <a:spcPts val="0"/>
-              </a:spcBef>
-              <a:spcAft>
-                <a:spcPts val="0"/>
-              </a:spcAft>
-              <a:buNone/>
-            </a:pPr>
-            <a:r>
-              <a:t/>
-            </a:r>
-            <a:endParaRPr>
-              <a:latin typeface="Lato"/>
-              <a:ea typeface="Lato"/>
-              <a:cs typeface="Lato"/>
-              <a:sym typeface="Lato"/>
-            </a:endParaRPr>
-          </a:p>
-        </p:txBody>
-      </p:sp>
-      <p:sp>
-        <p:nvSpPr>
-          <p:cNvPr id="157" name="Google Shape;157;p16"/>
-          <p:cNvSpPr/>
-          <p:nvPr/>
-        </p:nvSpPr>
-        <p:spPr>
-          <a:xfrm>
-            <a:off x="5004175" y="1634900"/>
-            <a:ext cx="2103900" cy="703800"/>
-          </a:xfrm>
-          <a:prstGeom prst="rect">
-            <a:avLst/>
-          </a:prstGeom>
-          <a:solidFill>
-            <a:srgbClr val="A4C2F4"/>
-          </a:solidFill>
-          <a:ln cap="flat" cmpd="sng" w="9525">
-            <a:solidFill>
-              <a:schemeClr val="dk2"/>
-            </a:solidFill>
-            <a:prstDash val="solid"/>
-            <a:round/>
-            <a:headEnd len="sm" w="sm" type="none"/>
-            <a:tailEnd len="sm" w="sm" type="none"/>
-          </a:ln>
-        </p:spPr>
-        <p:txBody>
-          <a:bodyPr anchorCtr="0" anchor="ctr" bIns="91425" lIns="91425" spcFirstLastPara="1" rIns="91425" wrap="square" tIns="91425">
-            <a:noAutofit/>
-          </a:bodyPr>
-          <a:lstStyle/>
-          <a:p>
-            <a:pPr indent="0" lvl="0" marL="0" rtl="0" algn="ctr">
-              <a:spcBef>
-                <a:spcPts val="0"/>
-              </a:spcBef>
-              <a:spcAft>
-                <a:spcPts val="0"/>
-              </a:spcAft>
-              <a:buNone/>
-            </a:pPr>
-            <a:r>
-              <a:t/>
-            </a:r>
-            <a:endParaRPr>
-              <a:latin typeface="Lato"/>
-              <a:ea typeface="Lato"/>
-              <a:cs typeface="Lato"/>
-              <a:sym typeface="Lato"/>
-            </a:endParaRPr>
-          </a:p>
-        </p:txBody>
-      </p:sp>
-      <p:sp>
-        <p:nvSpPr>
-          <p:cNvPr id="158" name="Google Shape;158;p16"/>
           <p:cNvSpPr txBox="1"/>
           <p:nvPr>
             <p:ph type="title"/>
@@ -10468,7 +10306,7 @@
       </p:sp>
       <p:sp>
         <p:nvSpPr>
-          <p:cNvPr id="159" name="Google Shape;159;p16"/>
+          <p:cNvPr id="156" name="Google Shape;156;p16"/>
           <p:cNvSpPr txBox="1"/>
           <p:nvPr>
             <p:ph idx="1" type="body"/>
@@ -10506,16 +10344,24 @@
           </a:p>
         </p:txBody>
       </p:sp>
-      <p:sp>
-        <p:nvSpPr>
-          <p:cNvPr id="160" name="Google Shape;160;p16"/>
-          <p:cNvSpPr txBox="1"/>
+      <p:pic>
+        <p:nvPicPr>
+          <p:cNvPr id="157" name="Google Shape;157;p16"/>
+          <p:cNvPicPr preferRelativeResize="0"/>
           <p:nvPr/>
-        </p:nvSpPr>
+        </p:nvPicPr>
+        <p:blipFill>
+          <a:blip r:embed="rId3">
+            <a:alphaModFix/>
+          </a:blip>
+          <a:stretch>
+            <a:fillRect/>
+          </a:stretch>
+        </p:blipFill>
         <p:spPr>
           <a:xfrm>
-            <a:off x="5208250" y="1862750"/>
-            <a:ext cx="1665300" cy="248100"/>
+            <a:off x="4349500" y="1066250"/>
+            <a:ext cx="3025741" cy="3826950"/>
           </a:xfrm>
           <a:prstGeom prst="rect">
             <a:avLst/>
@@ -10525,199 +10371,7 @@
             <a:noFill/>
           </a:ln>
         </p:spPr>
-        <p:txBody>
-          <a:bodyPr anchorCtr="0" anchor="ctr" bIns="91425" lIns="91425" spcFirstLastPara="1" rIns="91425" wrap="square" tIns="91425">
-            <a:noAutofit/>
-          </a:bodyPr>
-          <a:lstStyle/>
-          <a:p>
-            <a:pPr indent="0" lvl="0" marL="0" rtl="0" algn="ctr">
-              <a:spcBef>
-                <a:spcPts val="0"/>
-              </a:spcBef>
-              <a:spcAft>
-                <a:spcPts val="0"/>
-              </a:spcAft>
-              <a:buNone/>
-            </a:pPr>
-            <a:r>
-              <a:rPr lang="en" sz="1900">
-                <a:latin typeface="Lato"/>
-                <a:ea typeface="Lato"/>
-                <a:cs typeface="Lato"/>
-                <a:sym typeface="Lato"/>
-              </a:rPr>
-              <a:t>English</a:t>
-            </a:r>
-            <a:endParaRPr sz="1900">
-              <a:latin typeface="Lato"/>
-              <a:ea typeface="Lato"/>
-              <a:cs typeface="Lato"/>
-              <a:sym typeface="Lato"/>
-            </a:endParaRPr>
-          </a:p>
-        </p:txBody>
-      </p:sp>
-      <p:sp>
-        <p:nvSpPr>
-          <p:cNvPr id="161" name="Google Shape;161;p16"/>
-          <p:cNvSpPr txBox="1"/>
-          <p:nvPr/>
-        </p:nvSpPr>
-        <p:spPr>
-          <a:xfrm>
-            <a:off x="5223475" y="2884350"/>
-            <a:ext cx="1665300" cy="248100"/>
-          </a:xfrm>
-          <a:prstGeom prst="rect">
-            <a:avLst/>
-          </a:prstGeom>
-          <a:noFill/>
-          <a:ln>
-            <a:noFill/>
-          </a:ln>
-        </p:spPr>
-        <p:txBody>
-          <a:bodyPr anchorCtr="0" anchor="ctr" bIns="91425" lIns="91425" spcFirstLastPara="1" rIns="91425" wrap="square" tIns="91425">
-            <a:noAutofit/>
-          </a:bodyPr>
-          <a:lstStyle/>
-          <a:p>
-            <a:pPr indent="0" lvl="0" marL="0" rtl="0" algn="ctr">
-              <a:spcBef>
-                <a:spcPts val="0"/>
-              </a:spcBef>
-              <a:spcAft>
-                <a:spcPts val="0"/>
-              </a:spcAft>
-              <a:buNone/>
-            </a:pPr>
-            <a:r>
-              <a:rPr lang="en" sz="1900">
-                <a:latin typeface="Lato"/>
-                <a:ea typeface="Lato"/>
-                <a:cs typeface="Lato"/>
-                <a:sym typeface="Lato"/>
-              </a:rPr>
-              <a:t>Español</a:t>
-            </a:r>
-            <a:endParaRPr sz="1900">
-              <a:latin typeface="Lato"/>
-              <a:ea typeface="Lato"/>
-              <a:cs typeface="Lato"/>
-              <a:sym typeface="Lato"/>
-            </a:endParaRPr>
-          </a:p>
-        </p:txBody>
-      </p:sp>
-      <p:sp>
-        <p:nvSpPr>
-          <p:cNvPr id="162" name="Google Shape;162;p16"/>
-          <p:cNvSpPr txBox="1"/>
-          <p:nvPr/>
-        </p:nvSpPr>
-        <p:spPr>
-          <a:xfrm>
-            <a:off x="5193125" y="3905950"/>
-            <a:ext cx="1695600" cy="248100"/>
-          </a:xfrm>
-          <a:prstGeom prst="rect">
-            <a:avLst/>
-          </a:prstGeom>
-          <a:noFill/>
-          <a:ln>
-            <a:noFill/>
-          </a:ln>
-        </p:spPr>
-        <p:txBody>
-          <a:bodyPr anchorCtr="0" anchor="ctr" bIns="91425" lIns="91425" spcFirstLastPara="1" rIns="91425" wrap="square" tIns="91425">
-            <a:noAutofit/>
-          </a:bodyPr>
-          <a:lstStyle/>
-          <a:p>
-            <a:pPr indent="0" lvl="0" marL="0" rtl="0" algn="ctr">
-              <a:spcBef>
-                <a:spcPts val="0"/>
-              </a:spcBef>
-              <a:spcAft>
-                <a:spcPts val="0"/>
-              </a:spcAft>
-              <a:buNone/>
-            </a:pPr>
-            <a:r>
-              <a:rPr lang="en" sz="1900">
-                <a:latin typeface="Lato"/>
-                <a:ea typeface="Lato"/>
-                <a:cs typeface="Lato"/>
-                <a:sym typeface="Lato"/>
-              </a:rPr>
-              <a:t>Kreòl</a:t>
-            </a:r>
-            <a:endParaRPr sz="1900">
-              <a:latin typeface="Lato"/>
-              <a:ea typeface="Lato"/>
-              <a:cs typeface="Lato"/>
-              <a:sym typeface="Lato"/>
-            </a:endParaRPr>
-          </a:p>
-        </p:txBody>
-      </p:sp>
-      <p:sp>
-        <p:nvSpPr>
-          <p:cNvPr id="163" name="Google Shape;163;p16"/>
-          <p:cNvSpPr/>
-          <p:nvPr/>
-        </p:nvSpPr>
-        <p:spPr>
-          <a:xfrm>
-            <a:off x="4516800" y="1207550"/>
-            <a:ext cx="3048300" cy="3603000"/>
-          </a:xfrm>
-          <a:prstGeom prst="frame">
-            <a:avLst>
-              <a:gd fmla="val 6638" name="adj1"/>
-            </a:avLst>
-          </a:prstGeom>
-          <a:solidFill>
-            <a:srgbClr val="B7B7B7"/>
-          </a:solidFill>
-          <a:ln cap="flat" cmpd="sng" w="9525">
-            <a:solidFill>
-              <a:schemeClr val="dk2"/>
-            </a:solidFill>
-            <a:prstDash val="solid"/>
-            <a:round/>
-            <a:headEnd len="sm" w="sm" type="none"/>
-            <a:tailEnd len="sm" w="sm" type="none"/>
-          </a:ln>
-        </p:spPr>
-        <p:txBody>
-          <a:bodyPr anchorCtr="0" anchor="ctr" bIns="91425" lIns="91425" spcFirstLastPara="1" rIns="91425" wrap="square" tIns="91425">
-            <a:noAutofit/>
-          </a:bodyPr>
-          <a:lstStyle/>
-          <a:p>
-            <a:pPr indent="0" lvl="0" marL="0" rtl="0" algn="ctr">
-              <a:spcBef>
-                <a:spcPts val="0"/>
-              </a:spcBef>
-              <a:spcAft>
-                <a:spcPts val="0"/>
-              </a:spcAft>
-              <a:buNone/>
-            </a:pPr>
-            <a:r>
-              <a:t/>
-            </a:r>
-            <a:endParaRPr>
-              <a:latin typeface="Lato"/>
-              <a:ea typeface="Lato"/>
-              <a:cs typeface="Lato"/>
-              <a:sym typeface="Lato"/>
-            </a:endParaRPr>
-          </a:p>
-        </p:txBody>
-      </p:sp>
+      </p:pic>
     </p:spTree>
   </p:cSld>
   <p:clrMapOvr>
@@ -10731,7 +10385,7 @@
   <p:cSld>
     <p:spTree>
       <p:nvGrpSpPr>
-        <p:cNvPr id="167" name="Shape 167"/>
+        <p:cNvPr id="161" name="Shape 161"/>
         <p:cNvGrpSpPr/>
         <p:nvPr/>
       </p:nvGrpSpPr>
@@ -10745,7 +10399,7 @@
       </p:grpSpPr>
       <p:sp>
         <p:nvSpPr>
-          <p:cNvPr id="168" name="Google Shape;168;p17"/>
+          <p:cNvPr id="162" name="Google Shape;162;p17"/>
           <p:cNvSpPr txBox="1"/>
           <p:nvPr>
             <p:ph type="title"/>
@@ -10785,40 +10439,12 @@
       </p:sp>
       <p:pic>
         <p:nvPicPr>
-          <p:cNvPr id="169" name="Google Shape;169;p17"/>
+          <p:cNvPr id="163" name="Google Shape;163;p17"/>
           <p:cNvPicPr preferRelativeResize="0"/>
           <p:nvPr/>
         </p:nvPicPr>
         <p:blipFill>
           <a:blip r:embed="rId3">
-            <a:alphaModFix/>
-          </a:blip>
-          <a:stretch>
-            <a:fillRect/>
-          </a:stretch>
-        </p:blipFill>
-        <p:spPr>
-          <a:xfrm>
-            <a:off x="186550" y="866125"/>
-            <a:ext cx="2710475" cy="2478001"/>
-          </a:xfrm>
-          <a:prstGeom prst="rect">
-            <a:avLst/>
-          </a:prstGeom>
-          <a:noFill/>
-          <a:ln>
-            <a:noFill/>
-          </a:ln>
-        </p:spPr>
-      </p:pic>
-      <p:pic>
-        <p:nvPicPr>
-          <p:cNvPr id="170" name="Google Shape;170;p17"/>
-          <p:cNvPicPr preferRelativeResize="0"/>
-          <p:nvPr/>
-        </p:nvPicPr>
-        <p:blipFill>
-          <a:blip r:embed="rId4">
             <a:alphaModFix/>
           </a:blip>
           <a:stretch>
@@ -10841,7 +10467,7 @@
       </p:pic>
       <p:sp>
         <p:nvSpPr>
-          <p:cNvPr id="171" name="Google Shape;171;p17"/>
+          <p:cNvPr id="164" name="Google Shape;164;p17"/>
           <p:cNvSpPr txBox="1"/>
           <p:nvPr/>
         </p:nvSpPr>
@@ -10899,7 +10525,7 @@
       </p:sp>
       <p:cxnSp>
         <p:nvCxnSpPr>
-          <p:cNvPr id="172" name="Google Shape;172;p17"/>
+          <p:cNvPr id="165" name="Google Shape;165;p17"/>
           <p:cNvCxnSpPr/>
           <p:nvPr/>
         </p:nvCxnSpPr>
@@ -10925,12 +10551,12 @@
       </p:cxnSp>
       <p:pic>
         <p:nvPicPr>
-          <p:cNvPr id="173" name="Google Shape;173;p17"/>
+          <p:cNvPr id="166" name="Google Shape;166;p17"/>
           <p:cNvPicPr preferRelativeResize="0"/>
           <p:nvPr/>
         </p:nvPicPr>
         <p:blipFill>
-          <a:blip r:embed="rId5">
+          <a:blip r:embed="rId4">
             <a:alphaModFix/>
           </a:blip>
           <a:stretch>
@@ -10953,7 +10579,7 @@
       </p:pic>
       <p:cxnSp>
         <p:nvCxnSpPr>
-          <p:cNvPr id="174" name="Google Shape;174;p17"/>
+          <p:cNvPr id="167" name="Google Shape;167;p17"/>
           <p:cNvCxnSpPr/>
           <p:nvPr/>
         </p:nvCxnSpPr>
@@ -10977,6 +10603,34 @@
           </a:ln>
         </p:spPr>
       </p:cxnSp>
+      <p:pic>
+        <p:nvPicPr>
+          <p:cNvPr id="168" name="Google Shape;168;p17"/>
+          <p:cNvPicPr preferRelativeResize="0"/>
+          <p:nvPr/>
+        </p:nvPicPr>
+        <p:blipFill>
+          <a:blip r:embed="rId5">
+            <a:alphaModFix/>
+          </a:blip>
+          <a:stretch>
+            <a:fillRect/>
+          </a:stretch>
+        </p:blipFill>
+        <p:spPr>
+          <a:xfrm>
+            <a:off x="188200" y="964026"/>
+            <a:ext cx="2935026" cy="2613174"/>
+          </a:xfrm>
+          <a:prstGeom prst="rect">
+            <a:avLst/>
+          </a:prstGeom>
+          <a:noFill/>
+          <a:ln>
+            <a:noFill/>
+          </a:ln>
+        </p:spPr>
+      </p:pic>
     </p:spTree>
   </p:cSld>
   <p:clrMapOvr>
@@ -10990,7 +10644,7 @@
   <p:cSld>
     <p:spTree>
       <p:nvGrpSpPr>
-        <p:cNvPr id="178" name="Shape 178"/>
+        <p:cNvPr id="172" name="Shape 172"/>
         <p:cNvGrpSpPr/>
         <p:nvPr/>
       </p:nvGrpSpPr>
@@ -11004,7 +10658,7 @@
       </p:grpSpPr>
       <p:sp>
         <p:nvSpPr>
-          <p:cNvPr id="179" name="Google Shape;179;p18"/>
+          <p:cNvPr id="173" name="Google Shape;173;p18"/>
           <p:cNvSpPr txBox="1"/>
           <p:nvPr>
             <p:ph type="title"/>
@@ -11042,124 +10696,12 @@
           </a:p>
         </p:txBody>
       </p:sp>
-      <p:sp>
-        <p:nvSpPr>
-          <p:cNvPr id="180" name="Google Shape;180;p18"/>
-          <p:cNvSpPr/>
-          <p:nvPr/>
-        </p:nvSpPr>
-        <p:spPr>
-          <a:xfrm>
-            <a:off x="4856300" y="1207550"/>
-            <a:ext cx="3048300" cy="3603000"/>
-          </a:xfrm>
-          <a:prstGeom prst="frame">
-            <a:avLst>
-              <a:gd fmla="val 6638" name="adj1"/>
-            </a:avLst>
-          </a:prstGeom>
-          <a:solidFill>
-            <a:srgbClr val="B7B7B7"/>
-          </a:solidFill>
-          <a:ln cap="flat" cmpd="sng" w="9525">
-            <a:solidFill>
-              <a:schemeClr val="dk2"/>
-            </a:solidFill>
-            <a:prstDash val="solid"/>
-            <a:round/>
-            <a:headEnd len="sm" w="sm" type="none"/>
-            <a:tailEnd len="sm" w="sm" type="none"/>
-          </a:ln>
-        </p:spPr>
-        <p:txBody>
-          <a:bodyPr anchorCtr="0" anchor="ctr" bIns="91425" lIns="91425" spcFirstLastPara="1" rIns="91425" wrap="square" tIns="91425">
-            <a:noAutofit/>
-          </a:bodyPr>
-          <a:lstStyle/>
-          <a:p>
-            <a:pPr indent="0" lvl="0" marL="0" rtl="0" algn="ctr">
-              <a:spcBef>
-                <a:spcPts val="0"/>
-              </a:spcBef>
-              <a:spcAft>
-                <a:spcPts val="0"/>
-              </a:spcAft>
-              <a:buNone/>
-            </a:pPr>
-            <a:r>
-              <a:t/>
-            </a:r>
-            <a:endParaRPr>
-              <a:latin typeface="Lato"/>
-              <a:ea typeface="Lato"/>
-              <a:cs typeface="Lato"/>
-              <a:sym typeface="Lato"/>
-            </a:endParaRPr>
-          </a:p>
-        </p:txBody>
-      </p:sp>
-      <p:sp>
-        <p:nvSpPr>
-          <p:cNvPr id="181" name="Google Shape;181;p18"/>
-          <p:cNvSpPr/>
-          <p:nvPr/>
-        </p:nvSpPr>
-        <p:spPr>
-          <a:xfrm>
-            <a:off x="1297500" y="1207550"/>
-            <a:ext cx="3048300" cy="3603000"/>
-          </a:xfrm>
-          <a:prstGeom prst="frame">
-            <a:avLst>
-              <a:gd fmla="val 6638" name="adj1"/>
-            </a:avLst>
-          </a:prstGeom>
-          <a:solidFill>
-            <a:srgbClr val="B7B7B7"/>
-          </a:solidFill>
-          <a:ln cap="flat" cmpd="sng" w="9525">
-            <a:solidFill>
-              <a:schemeClr val="dk2"/>
-            </a:solidFill>
-            <a:prstDash val="solid"/>
-            <a:round/>
-            <a:headEnd len="sm" w="sm" type="none"/>
-            <a:tailEnd len="sm" w="sm" type="none"/>
-          </a:ln>
-        </p:spPr>
-        <p:txBody>
-          <a:bodyPr anchorCtr="0" anchor="ctr" bIns="91425" lIns="91425" spcFirstLastPara="1" rIns="91425" wrap="square" tIns="91425">
-            <a:noAutofit/>
-          </a:bodyPr>
-          <a:lstStyle/>
-          <a:p>
-            <a:pPr indent="0" lvl="0" marL="0" rtl="0" algn="ctr">
-              <a:spcBef>
-                <a:spcPts val="0"/>
-              </a:spcBef>
-              <a:spcAft>
-                <a:spcPts val="0"/>
-              </a:spcAft>
-              <a:buNone/>
-            </a:pPr>
-            <a:r>
-              <a:t/>
-            </a:r>
-            <a:endParaRPr>
-              <a:latin typeface="Lato"/>
-              <a:ea typeface="Lato"/>
-              <a:cs typeface="Lato"/>
-              <a:sym typeface="Lato"/>
-            </a:endParaRPr>
-          </a:p>
-        </p:txBody>
-      </p:sp>
       <p:cxnSp>
         <p:nvCxnSpPr>
-          <p:cNvPr id="182" name="Google Shape;182;p18"/>
+          <p:cNvPr id="174" name="Google Shape;174;p18"/>
           <p:cNvCxnSpPr>
-            <a:stCxn id="181" idx="3"/>
-            <a:endCxn id="180" idx="1"/>
+            <a:stCxn id="175" idx="3"/>
+            <a:endCxn id="176" idx="1"/>
           </p:cNvCxnSpPr>
           <p:nvPr/>
         </p:nvCxnSpPr>
@@ -11183,16 +10725,24 @@
           </a:ln>
         </p:spPr>
       </p:cxnSp>
-      <p:sp>
-        <p:nvSpPr>
-          <p:cNvPr id="183" name="Google Shape;183;p18"/>
-          <p:cNvSpPr txBox="1"/>
+      <p:pic>
+        <p:nvPicPr>
+          <p:cNvPr id="177" name="Google Shape;177;p18"/>
+          <p:cNvPicPr preferRelativeResize="0"/>
           <p:nvPr/>
-        </p:nvSpPr>
+        </p:nvPicPr>
+        <p:blipFill>
+          <a:blip r:embed="rId3">
+            <a:alphaModFix/>
+          </a:blip>
+          <a:stretch>
+            <a:fillRect/>
+          </a:stretch>
+        </p:blipFill>
         <p:spPr>
           <a:xfrm>
-            <a:off x="1618775" y="1533900"/>
-            <a:ext cx="1227000" cy="254700"/>
+            <a:off x="4823750" y="1095575"/>
+            <a:ext cx="3025741" cy="3826950"/>
           </a:xfrm>
           <a:prstGeom prst="rect">
             <a:avLst/>
@@ -11202,55 +10752,25 @@
             <a:noFill/>
           </a:ln>
         </p:spPr>
-        <p:txBody>
-          <a:bodyPr anchorCtr="0" anchor="ctr" bIns="91425" lIns="91425" spcFirstLastPara="1" rIns="91425" wrap="square" tIns="91425">
-            <a:noAutofit/>
-          </a:bodyPr>
-          <a:lstStyle/>
-          <a:p>
-            <a:pPr indent="0" lvl="0" marL="0" rtl="0" algn="l">
-              <a:spcBef>
-                <a:spcPts val="0"/>
-              </a:spcBef>
-              <a:spcAft>
-                <a:spcPts val="0"/>
-              </a:spcAft>
-              <a:buNone/>
-            </a:pPr>
-            <a:r>
-              <a:rPr lang="en" sz="1300">
-                <a:solidFill>
-                  <a:schemeClr val="lt1"/>
-                </a:solidFill>
-                <a:latin typeface="Lato"/>
-                <a:ea typeface="Lato"/>
-                <a:cs typeface="Lato"/>
-                <a:sym typeface="Lato"/>
-              </a:rPr>
-              <a:t>First Name</a:t>
-            </a:r>
-            <a:endParaRPr sz="1300">
-              <a:solidFill>
-                <a:schemeClr val="lt1"/>
-              </a:solidFill>
-              <a:latin typeface="Lato"/>
-              <a:ea typeface="Lato"/>
-              <a:cs typeface="Lato"/>
-              <a:sym typeface="Lato"/>
-            </a:endParaRPr>
-          </a:p>
-        </p:txBody>
-      </p:sp>
-      <p:sp>
-        <p:nvSpPr>
-          <p:cNvPr id="184" name="Google Shape;184;p18"/>
-          <p:cNvSpPr txBox="1"/>
+      </p:pic>
+      <p:pic>
+        <p:nvPicPr>
+          <p:cNvPr id="178" name="Google Shape;178;p18"/>
+          <p:cNvPicPr preferRelativeResize="0"/>
           <p:nvPr/>
-        </p:nvSpPr>
+        </p:nvPicPr>
+        <p:blipFill>
+          <a:blip r:embed="rId4">
+            <a:alphaModFix/>
+          </a:blip>
+          <a:stretch>
+            <a:fillRect/>
+          </a:stretch>
+        </p:blipFill>
         <p:spPr>
           <a:xfrm>
-            <a:off x="1618775" y="1788600"/>
-            <a:ext cx="1227000" cy="254700"/>
+            <a:off x="1297500" y="1095575"/>
+            <a:ext cx="3025741" cy="3826950"/>
           </a:xfrm>
           <a:prstGeom prst="rect">
             <a:avLst/>
@@ -11260,1191 +10780,30 @@
             <a:noFill/>
           </a:ln>
         </p:spPr>
-        <p:txBody>
-          <a:bodyPr anchorCtr="0" anchor="ctr" bIns="91425" lIns="91425" spcFirstLastPara="1" rIns="91425" wrap="square" tIns="91425">
-            <a:noAutofit/>
-          </a:bodyPr>
-          <a:lstStyle/>
-          <a:p>
-            <a:pPr indent="0" lvl="0" marL="0" rtl="0" algn="l">
-              <a:spcBef>
-                <a:spcPts val="0"/>
-              </a:spcBef>
-              <a:spcAft>
-                <a:spcPts val="0"/>
-              </a:spcAft>
-              <a:buNone/>
-            </a:pPr>
-            <a:r>
-              <a:rPr lang="en" sz="1300">
-                <a:solidFill>
-                  <a:schemeClr val="lt1"/>
-                </a:solidFill>
-                <a:latin typeface="Lato"/>
-                <a:ea typeface="Lato"/>
-                <a:cs typeface="Lato"/>
-                <a:sym typeface="Lato"/>
-              </a:rPr>
-              <a:t>Last Name</a:t>
-            </a:r>
-            <a:endParaRPr sz="1300">
-              <a:solidFill>
-                <a:schemeClr val="lt1"/>
-              </a:solidFill>
-              <a:latin typeface="Lato"/>
-              <a:ea typeface="Lato"/>
-              <a:cs typeface="Lato"/>
-              <a:sym typeface="Lato"/>
-            </a:endParaRPr>
-          </a:p>
-        </p:txBody>
-      </p:sp>
-      <p:sp>
-        <p:nvSpPr>
-          <p:cNvPr id="185" name="Google Shape;185;p18"/>
-          <p:cNvSpPr txBox="1"/>
-          <p:nvPr/>
-        </p:nvSpPr>
-        <p:spPr>
-          <a:xfrm>
-            <a:off x="1618775" y="2043300"/>
-            <a:ext cx="1344600" cy="254700"/>
-          </a:xfrm>
-          <a:prstGeom prst="rect">
-            <a:avLst/>
-          </a:prstGeom>
-          <a:noFill/>
-          <a:ln>
-            <a:noFill/>
-          </a:ln>
-        </p:spPr>
-        <p:txBody>
-          <a:bodyPr anchorCtr="0" anchor="ctr" bIns="91425" lIns="91425" spcFirstLastPara="1" rIns="91425" wrap="square" tIns="91425">
-            <a:noAutofit/>
-          </a:bodyPr>
-          <a:lstStyle/>
-          <a:p>
-            <a:pPr indent="0" lvl="0" marL="0" rtl="0" algn="l">
-              <a:spcBef>
-                <a:spcPts val="0"/>
-              </a:spcBef>
-              <a:spcAft>
-                <a:spcPts val="0"/>
-              </a:spcAft>
-              <a:buNone/>
-            </a:pPr>
-            <a:r>
-              <a:rPr lang="en" sz="1000">
-                <a:solidFill>
-                  <a:schemeClr val="lt1"/>
-                </a:solidFill>
-                <a:latin typeface="Lato"/>
-                <a:ea typeface="Lato"/>
-                <a:cs typeface="Lato"/>
-                <a:sym typeface="Lato"/>
-              </a:rPr>
-              <a:t>Number of Children</a:t>
-            </a:r>
-            <a:endParaRPr sz="1000">
-              <a:solidFill>
-                <a:schemeClr val="lt1"/>
-              </a:solidFill>
-              <a:latin typeface="Lato"/>
-              <a:ea typeface="Lato"/>
-              <a:cs typeface="Lato"/>
-              <a:sym typeface="Lato"/>
-            </a:endParaRPr>
-          </a:p>
-        </p:txBody>
-      </p:sp>
-      <p:sp>
-        <p:nvSpPr>
-          <p:cNvPr id="186" name="Google Shape;186;p18"/>
-          <p:cNvSpPr/>
-          <p:nvPr/>
-        </p:nvSpPr>
-        <p:spPr>
-          <a:xfrm>
-            <a:off x="2963375" y="1563300"/>
-            <a:ext cx="1011600" cy="195900"/>
-          </a:xfrm>
-          <a:prstGeom prst="rect">
-            <a:avLst/>
-          </a:prstGeom>
-          <a:solidFill>
-            <a:schemeClr val="lt1"/>
-          </a:solidFill>
-          <a:ln cap="flat" cmpd="sng" w="9525">
-            <a:solidFill>
-              <a:schemeClr val="dk2"/>
-            </a:solidFill>
-            <a:prstDash val="solid"/>
-            <a:round/>
-            <a:headEnd len="sm" w="sm" type="none"/>
-            <a:tailEnd len="sm" w="sm" type="none"/>
-          </a:ln>
-        </p:spPr>
-        <p:txBody>
-          <a:bodyPr anchorCtr="0" anchor="ctr" bIns="91425" lIns="91425" spcFirstLastPara="1" rIns="91425" wrap="square" tIns="91425">
-            <a:noAutofit/>
-          </a:bodyPr>
-          <a:lstStyle/>
-          <a:p>
-            <a:pPr indent="0" lvl="0" marL="0" rtl="0" algn="ctr">
-              <a:spcBef>
-                <a:spcPts val="0"/>
-              </a:spcBef>
-              <a:spcAft>
-                <a:spcPts val="0"/>
-              </a:spcAft>
-              <a:buNone/>
-            </a:pPr>
-            <a:r>
-              <a:t/>
-            </a:r>
-            <a:endParaRPr>
-              <a:latin typeface="Lato"/>
-              <a:ea typeface="Lato"/>
-              <a:cs typeface="Lato"/>
-              <a:sym typeface="Lato"/>
-            </a:endParaRPr>
-          </a:p>
-        </p:txBody>
-      </p:sp>
-      <p:sp>
-        <p:nvSpPr>
-          <p:cNvPr id="187" name="Google Shape;187;p18"/>
-          <p:cNvSpPr/>
-          <p:nvPr/>
-        </p:nvSpPr>
-        <p:spPr>
-          <a:xfrm>
-            <a:off x="2963375" y="1818000"/>
-            <a:ext cx="1011600" cy="195900"/>
-          </a:xfrm>
-          <a:prstGeom prst="rect">
-            <a:avLst/>
-          </a:prstGeom>
-          <a:solidFill>
-            <a:schemeClr val="lt1"/>
-          </a:solidFill>
-          <a:ln cap="flat" cmpd="sng" w="9525">
-            <a:solidFill>
-              <a:schemeClr val="dk2"/>
-            </a:solidFill>
-            <a:prstDash val="solid"/>
-            <a:round/>
-            <a:headEnd len="sm" w="sm" type="none"/>
-            <a:tailEnd len="sm" w="sm" type="none"/>
-          </a:ln>
-        </p:spPr>
-        <p:txBody>
-          <a:bodyPr anchorCtr="0" anchor="ctr" bIns="91425" lIns="91425" spcFirstLastPara="1" rIns="91425" wrap="square" tIns="91425">
-            <a:noAutofit/>
-          </a:bodyPr>
-          <a:lstStyle/>
-          <a:p>
-            <a:pPr indent="0" lvl="0" marL="0" rtl="0" algn="ctr">
-              <a:spcBef>
-                <a:spcPts val="0"/>
-              </a:spcBef>
-              <a:spcAft>
-                <a:spcPts val="0"/>
-              </a:spcAft>
-              <a:buNone/>
-            </a:pPr>
-            <a:r>
-              <a:t/>
-            </a:r>
-            <a:endParaRPr>
-              <a:latin typeface="Lato"/>
-              <a:ea typeface="Lato"/>
-              <a:cs typeface="Lato"/>
-              <a:sym typeface="Lato"/>
-            </a:endParaRPr>
-          </a:p>
-        </p:txBody>
-      </p:sp>
-      <p:sp>
-        <p:nvSpPr>
-          <p:cNvPr id="188" name="Google Shape;188;p18"/>
-          <p:cNvSpPr/>
-          <p:nvPr/>
-        </p:nvSpPr>
-        <p:spPr>
-          <a:xfrm>
-            <a:off x="2963375" y="2072700"/>
-            <a:ext cx="1011600" cy="195900"/>
-          </a:xfrm>
-          <a:prstGeom prst="rect">
-            <a:avLst/>
-          </a:prstGeom>
-          <a:solidFill>
-            <a:schemeClr val="lt1"/>
-          </a:solidFill>
-          <a:ln cap="flat" cmpd="sng" w="9525">
-            <a:solidFill>
-              <a:schemeClr val="dk2"/>
-            </a:solidFill>
-            <a:prstDash val="solid"/>
-            <a:round/>
-            <a:headEnd len="sm" w="sm" type="none"/>
-            <a:tailEnd len="sm" w="sm" type="none"/>
-          </a:ln>
-        </p:spPr>
-        <p:txBody>
-          <a:bodyPr anchorCtr="0" anchor="ctr" bIns="91425" lIns="91425" spcFirstLastPara="1" rIns="91425" wrap="square" tIns="91425">
-            <a:noAutofit/>
-          </a:bodyPr>
-          <a:lstStyle/>
-          <a:p>
-            <a:pPr indent="0" lvl="0" marL="0" rtl="0" algn="ctr">
-              <a:spcBef>
-                <a:spcPts val="0"/>
-              </a:spcBef>
-              <a:spcAft>
-                <a:spcPts val="0"/>
-              </a:spcAft>
-              <a:buNone/>
-            </a:pPr>
-            <a:r>
-              <a:t/>
-            </a:r>
-            <a:endParaRPr>
-              <a:latin typeface="Lato"/>
-              <a:ea typeface="Lato"/>
-              <a:cs typeface="Lato"/>
-              <a:sym typeface="Lato"/>
-            </a:endParaRPr>
-          </a:p>
-        </p:txBody>
-      </p:sp>
-      <p:sp>
-        <p:nvSpPr>
-          <p:cNvPr id="189" name="Google Shape;189;p18"/>
-          <p:cNvSpPr/>
-          <p:nvPr/>
-        </p:nvSpPr>
-        <p:spPr>
-          <a:xfrm rot="-4013461">
-            <a:off x="1634457" y="3148840"/>
-            <a:ext cx="2543816" cy="308597"/>
-          </a:xfrm>
-          <a:prstGeom prst="ellipse">
-            <a:avLst/>
-          </a:prstGeom>
-          <a:solidFill>
-            <a:srgbClr val="D9D9D9"/>
-          </a:solidFill>
-          <a:ln cap="flat" cmpd="sng" w="9525">
-            <a:solidFill>
-              <a:schemeClr val="dk2"/>
-            </a:solidFill>
-            <a:prstDash val="solid"/>
-            <a:round/>
-            <a:headEnd len="sm" w="sm" type="none"/>
-            <a:tailEnd len="sm" w="sm" type="none"/>
-          </a:ln>
-        </p:spPr>
-        <p:txBody>
-          <a:bodyPr anchorCtr="0" anchor="ctr" bIns="91425" lIns="91425" spcFirstLastPara="1" rIns="91425" wrap="square" tIns="91425">
-            <a:noAutofit/>
-          </a:bodyPr>
-          <a:lstStyle/>
-          <a:p>
-            <a:pPr indent="0" lvl="0" marL="0" rtl="0" algn="ctr">
-              <a:spcBef>
-                <a:spcPts val="0"/>
-              </a:spcBef>
-              <a:spcAft>
-                <a:spcPts val="0"/>
-              </a:spcAft>
-              <a:buNone/>
-            </a:pPr>
-            <a:r>
-              <a:t/>
-            </a:r>
-            <a:endParaRPr>
-              <a:latin typeface="Lato"/>
-              <a:ea typeface="Lato"/>
-              <a:cs typeface="Lato"/>
-              <a:sym typeface="Lato"/>
-            </a:endParaRPr>
-          </a:p>
-        </p:txBody>
-      </p:sp>
-      <p:sp>
-        <p:nvSpPr>
-          <p:cNvPr id="190" name="Google Shape;190;p18"/>
-          <p:cNvSpPr/>
-          <p:nvPr/>
-        </p:nvSpPr>
-        <p:spPr>
-          <a:xfrm>
-            <a:off x="5261400" y="2987400"/>
-            <a:ext cx="638700" cy="405900"/>
-          </a:xfrm>
-          <a:prstGeom prst="rect">
-            <a:avLst/>
-          </a:prstGeom>
-          <a:solidFill>
-            <a:srgbClr val="A4C2F4"/>
-          </a:solidFill>
-          <a:ln cap="flat" cmpd="sng" w="9525">
-            <a:solidFill>
-              <a:schemeClr val="dk2"/>
-            </a:solidFill>
-            <a:prstDash val="solid"/>
-            <a:round/>
-            <a:headEnd len="sm" w="sm" type="none"/>
-            <a:tailEnd len="sm" w="sm" type="none"/>
-          </a:ln>
-        </p:spPr>
-        <p:txBody>
-          <a:bodyPr anchorCtr="0" anchor="ctr" bIns="91425" lIns="91425" spcFirstLastPara="1" rIns="91425" wrap="square" tIns="91425">
-            <a:noAutofit/>
-          </a:bodyPr>
-          <a:lstStyle/>
-          <a:p>
-            <a:pPr indent="0" lvl="0" marL="0" rtl="0" algn="ctr">
-              <a:spcBef>
-                <a:spcPts val="0"/>
-              </a:spcBef>
-              <a:spcAft>
-                <a:spcPts val="0"/>
-              </a:spcAft>
-              <a:buNone/>
-            </a:pPr>
-            <a:r>
-              <a:rPr lang="en">
-                <a:latin typeface="Lato"/>
-                <a:ea typeface="Lato"/>
-                <a:cs typeface="Lato"/>
-                <a:sym typeface="Lato"/>
-              </a:rPr>
-              <a:t>4</a:t>
-            </a:r>
-            <a:endParaRPr>
-              <a:latin typeface="Lato"/>
-              <a:ea typeface="Lato"/>
-              <a:cs typeface="Lato"/>
-              <a:sym typeface="Lato"/>
-            </a:endParaRPr>
-          </a:p>
-        </p:txBody>
-      </p:sp>
-      <p:sp>
-        <p:nvSpPr>
-          <p:cNvPr id="191" name="Google Shape;191;p18"/>
-          <p:cNvSpPr/>
-          <p:nvPr/>
-        </p:nvSpPr>
-        <p:spPr>
-          <a:xfrm>
-            <a:off x="6858775" y="2987400"/>
-            <a:ext cx="638700" cy="405900"/>
-          </a:xfrm>
-          <a:prstGeom prst="rect">
-            <a:avLst/>
-          </a:prstGeom>
-          <a:solidFill>
-            <a:srgbClr val="A4C2F4"/>
-          </a:solidFill>
-          <a:ln cap="flat" cmpd="sng" w="9525">
-            <a:solidFill>
-              <a:schemeClr val="dk2"/>
-            </a:solidFill>
-            <a:prstDash val="solid"/>
-            <a:round/>
-            <a:headEnd len="sm" w="sm" type="none"/>
-            <a:tailEnd len="sm" w="sm" type="none"/>
-          </a:ln>
-        </p:spPr>
-        <p:txBody>
-          <a:bodyPr anchorCtr="0" anchor="ctr" bIns="91425" lIns="91425" spcFirstLastPara="1" rIns="91425" wrap="square" tIns="91425">
-            <a:noAutofit/>
-          </a:bodyPr>
-          <a:lstStyle/>
-          <a:p>
-            <a:pPr indent="0" lvl="0" marL="0" rtl="0" algn="ctr">
-              <a:spcBef>
-                <a:spcPts val="0"/>
-              </a:spcBef>
-              <a:spcAft>
-                <a:spcPts val="0"/>
-              </a:spcAft>
-              <a:buNone/>
-            </a:pPr>
-            <a:r>
-              <a:rPr lang="en">
-                <a:latin typeface="Lato"/>
-                <a:ea typeface="Lato"/>
-                <a:cs typeface="Lato"/>
-                <a:sym typeface="Lato"/>
-              </a:rPr>
-              <a:t>6</a:t>
-            </a:r>
-            <a:endParaRPr>
-              <a:latin typeface="Lato"/>
-              <a:ea typeface="Lato"/>
-              <a:cs typeface="Lato"/>
-              <a:sym typeface="Lato"/>
-            </a:endParaRPr>
-          </a:p>
-        </p:txBody>
-      </p:sp>
-      <p:sp>
-        <p:nvSpPr>
-          <p:cNvPr id="192" name="Google Shape;192;p18"/>
-          <p:cNvSpPr/>
-          <p:nvPr/>
-        </p:nvSpPr>
-        <p:spPr>
-          <a:xfrm>
-            <a:off x="6060088" y="2987400"/>
-            <a:ext cx="638700" cy="405900"/>
-          </a:xfrm>
-          <a:prstGeom prst="rect">
-            <a:avLst/>
-          </a:prstGeom>
-          <a:solidFill>
-            <a:srgbClr val="A4C2F4"/>
-          </a:solidFill>
-          <a:ln cap="flat" cmpd="sng" w="9525">
-            <a:solidFill>
-              <a:schemeClr val="dk2"/>
-            </a:solidFill>
-            <a:prstDash val="solid"/>
-            <a:round/>
-            <a:headEnd len="sm" w="sm" type="none"/>
-            <a:tailEnd len="sm" w="sm" type="none"/>
-          </a:ln>
-        </p:spPr>
-        <p:txBody>
-          <a:bodyPr anchorCtr="0" anchor="ctr" bIns="91425" lIns="91425" spcFirstLastPara="1" rIns="91425" wrap="square" tIns="91425">
-            <a:noAutofit/>
-          </a:bodyPr>
-          <a:lstStyle/>
-          <a:p>
-            <a:pPr indent="0" lvl="0" marL="0" rtl="0" algn="ctr">
-              <a:spcBef>
-                <a:spcPts val="0"/>
-              </a:spcBef>
-              <a:spcAft>
-                <a:spcPts val="0"/>
-              </a:spcAft>
-              <a:buNone/>
-            </a:pPr>
-            <a:r>
-              <a:rPr lang="en">
-                <a:latin typeface="Lato"/>
-                <a:ea typeface="Lato"/>
-                <a:cs typeface="Lato"/>
-                <a:sym typeface="Lato"/>
-              </a:rPr>
-              <a:t>5</a:t>
-            </a:r>
-            <a:endParaRPr>
-              <a:latin typeface="Lato"/>
-              <a:ea typeface="Lato"/>
-              <a:cs typeface="Lato"/>
-              <a:sym typeface="Lato"/>
-            </a:endParaRPr>
-          </a:p>
-        </p:txBody>
-      </p:sp>
-      <p:sp>
-        <p:nvSpPr>
-          <p:cNvPr id="193" name="Google Shape;193;p18"/>
-          <p:cNvSpPr/>
-          <p:nvPr/>
-        </p:nvSpPr>
-        <p:spPr>
-          <a:xfrm>
-            <a:off x="5263400" y="3516925"/>
-            <a:ext cx="638700" cy="405900"/>
-          </a:xfrm>
-          <a:prstGeom prst="rect">
-            <a:avLst/>
-          </a:prstGeom>
-          <a:solidFill>
-            <a:srgbClr val="A4C2F4"/>
-          </a:solidFill>
-          <a:ln cap="flat" cmpd="sng" w="9525">
-            <a:solidFill>
-              <a:schemeClr val="dk2"/>
-            </a:solidFill>
-            <a:prstDash val="solid"/>
-            <a:round/>
-            <a:headEnd len="sm" w="sm" type="none"/>
-            <a:tailEnd len="sm" w="sm" type="none"/>
-          </a:ln>
-        </p:spPr>
-        <p:txBody>
-          <a:bodyPr anchorCtr="0" anchor="ctr" bIns="91425" lIns="91425" spcFirstLastPara="1" rIns="91425" wrap="square" tIns="91425">
-            <a:noAutofit/>
-          </a:bodyPr>
-          <a:lstStyle/>
-          <a:p>
-            <a:pPr indent="0" lvl="0" marL="0" rtl="0" algn="ctr">
-              <a:spcBef>
-                <a:spcPts val="0"/>
-              </a:spcBef>
-              <a:spcAft>
-                <a:spcPts val="0"/>
-              </a:spcAft>
-              <a:buNone/>
-            </a:pPr>
-            <a:r>
-              <a:rPr lang="en">
-                <a:latin typeface="Lato"/>
-                <a:ea typeface="Lato"/>
-                <a:cs typeface="Lato"/>
-                <a:sym typeface="Lato"/>
-              </a:rPr>
-              <a:t>7</a:t>
-            </a:r>
-            <a:endParaRPr>
-              <a:latin typeface="Lato"/>
-              <a:ea typeface="Lato"/>
-              <a:cs typeface="Lato"/>
-              <a:sym typeface="Lato"/>
-            </a:endParaRPr>
-          </a:p>
-        </p:txBody>
-      </p:sp>
-      <p:sp>
-        <p:nvSpPr>
-          <p:cNvPr id="194" name="Google Shape;194;p18"/>
-          <p:cNvSpPr/>
-          <p:nvPr/>
-        </p:nvSpPr>
-        <p:spPr>
-          <a:xfrm>
-            <a:off x="6860775" y="3516925"/>
-            <a:ext cx="638700" cy="405900"/>
-          </a:xfrm>
-          <a:prstGeom prst="rect">
-            <a:avLst/>
-          </a:prstGeom>
-          <a:solidFill>
-            <a:srgbClr val="A4C2F4"/>
-          </a:solidFill>
-          <a:ln cap="flat" cmpd="sng" w="9525">
-            <a:solidFill>
-              <a:schemeClr val="dk2"/>
-            </a:solidFill>
-            <a:prstDash val="solid"/>
-            <a:round/>
-            <a:headEnd len="sm" w="sm" type="none"/>
-            <a:tailEnd len="sm" w="sm" type="none"/>
-          </a:ln>
-        </p:spPr>
-        <p:txBody>
-          <a:bodyPr anchorCtr="0" anchor="ctr" bIns="91425" lIns="91425" spcFirstLastPara="1" rIns="91425" wrap="square" tIns="91425">
-            <a:noAutofit/>
-          </a:bodyPr>
-          <a:lstStyle/>
-          <a:p>
-            <a:pPr indent="0" lvl="0" marL="0" rtl="0" algn="ctr">
-              <a:spcBef>
-                <a:spcPts val="0"/>
-              </a:spcBef>
-              <a:spcAft>
-                <a:spcPts val="0"/>
-              </a:spcAft>
-              <a:buNone/>
-            </a:pPr>
-            <a:r>
-              <a:rPr lang="en">
-                <a:latin typeface="Lato"/>
-                <a:ea typeface="Lato"/>
-                <a:cs typeface="Lato"/>
-                <a:sym typeface="Lato"/>
-              </a:rPr>
-              <a:t>9</a:t>
-            </a:r>
-            <a:endParaRPr>
-              <a:latin typeface="Lato"/>
-              <a:ea typeface="Lato"/>
-              <a:cs typeface="Lato"/>
-              <a:sym typeface="Lato"/>
-            </a:endParaRPr>
-          </a:p>
-        </p:txBody>
-      </p:sp>
-      <p:sp>
-        <p:nvSpPr>
-          <p:cNvPr id="195" name="Google Shape;195;p18"/>
-          <p:cNvSpPr/>
-          <p:nvPr/>
-        </p:nvSpPr>
-        <p:spPr>
-          <a:xfrm>
-            <a:off x="6062088" y="3516925"/>
-            <a:ext cx="638700" cy="405900"/>
-          </a:xfrm>
-          <a:prstGeom prst="rect">
-            <a:avLst/>
-          </a:prstGeom>
-          <a:solidFill>
-            <a:srgbClr val="A4C2F4"/>
-          </a:solidFill>
-          <a:ln cap="flat" cmpd="sng" w="9525">
-            <a:solidFill>
-              <a:schemeClr val="dk2"/>
-            </a:solidFill>
-            <a:prstDash val="solid"/>
-            <a:round/>
-            <a:headEnd len="sm" w="sm" type="none"/>
-            <a:tailEnd len="sm" w="sm" type="none"/>
-          </a:ln>
-        </p:spPr>
-        <p:txBody>
-          <a:bodyPr anchorCtr="0" anchor="ctr" bIns="91425" lIns="91425" spcFirstLastPara="1" rIns="91425" wrap="square" tIns="91425">
-            <a:noAutofit/>
-          </a:bodyPr>
-          <a:lstStyle/>
-          <a:p>
-            <a:pPr indent="0" lvl="0" marL="0" rtl="0" algn="ctr">
-              <a:spcBef>
-                <a:spcPts val="0"/>
-              </a:spcBef>
-              <a:spcAft>
-                <a:spcPts val="0"/>
-              </a:spcAft>
-              <a:buNone/>
-            </a:pPr>
-            <a:r>
-              <a:rPr lang="en">
-                <a:latin typeface="Lato"/>
-                <a:ea typeface="Lato"/>
-                <a:cs typeface="Lato"/>
-                <a:sym typeface="Lato"/>
-              </a:rPr>
-              <a:t>8</a:t>
-            </a:r>
-            <a:endParaRPr>
-              <a:latin typeface="Lato"/>
-              <a:ea typeface="Lato"/>
-              <a:cs typeface="Lato"/>
-              <a:sym typeface="Lato"/>
-            </a:endParaRPr>
-          </a:p>
-        </p:txBody>
-      </p:sp>
-      <p:sp>
-        <p:nvSpPr>
-          <p:cNvPr id="196" name="Google Shape;196;p18"/>
-          <p:cNvSpPr/>
-          <p:nvPr/>
-        </p:nvSpPr>
-        <p:spPr>
-          <a:xfrm>
-            <a:off x="5261413" y="4046450"/>
-            <a:ext cx="638700" cy="405900"/>
-          </a:xfrm>
-          <a:prstGeom prst="rect">
-            <a:avLst/>
-          </a:prstGeom>
-          <a:solidFill>
-            <a:srgbClr val="A4C2F4"/>
-          </a:solidFill>
-          <a:ln cap="flat" cmpd="sng" w="9525">
-            <a:solidFill>
-              <a:schemeClr val="dk2"/>
-            </a:solidFill>
-            <a:prstDash val="solid"/>
-            <a:round/>
-            <a:headEnd len="sm" w="sm" type="none"/>
-            <a:tailEnd len="sm" w="sm" type="none"/>
-          </a:ln>
-        </p:spPr>
-        <p:txBody>
-          <a:bodyPr anchorCtr="0" anchor="ctr" bIns="91425" lIns="91425" spcFirstLastPara="1" rIns="91425" wrap="square" tIns="91425">
-            <a:noAutofit/>
-          </a:bodyPr>
-          <a:lstStyle/>
-          <a:p>
-            <a:pPr indent="0" lvl="0" marL="0" rtl="0" algn="ctr">
-              <a:spcBef>
-                <a:spcPts val="0"/>
-              </a:spcBef>
-              <a:spcAft>
-                <a:spcPts val="0"/>
-              </a:spcAft>
-              <a:buNone/>
-            </a:pPr>
-            <a:r>
-              <a:rPr lang="en">
-                <a:latin typeface="Lato"/>
-                <a:ea typeface="Lato"/>
-                <a:cs typeface="Lato"/>
-                <a:sym typeface="Lato"/>
-              </a:rPr>
-              <a:t>0</a:t>
-            </a:r>
-            <a:endParaRPr>
-              <a:latin typeface="Lato"/>
-              <a:ea typeface="Lato"/>
-              <a:cs typeface="Lato"/>
-              <a:sym typeface="Lato"/>
-            </a:endParaRPr>
-          </a:p>
-        </p:txBody>
-      </p:sp>
-      <p:sp>
-        <p:nvSpPr>
-          <p:cNvPr id="197" name="Google Shape;197;p18"/>
-          <p:cNvSpPr/>
-          <p:nvPr/>
-        </p:nvSpPr>
-        <p:spPr>
-          <a:xfrm>
-            <a:off x="6858788" y="4046450"/>
-            <a:ext cx="638700" cy="405900"/>
-          </a:xfrm>
-          <a:prstGeom prst="rect">
-            <a:avLst/>
-          </a:prstGeom>
-          <a:solidFill>
-            <a:srgbClr val="54CF54"/>
-          </a:solidFill>
-          <a:ln cap="flat" cmpd="sng" w="9525">
-            <a:solidFill>
-              <a:schemeClr val="dk2"/>
-            </a:solidFill>
-            <a:prstDash val="solid"/>
-            <a:round/>
-            <a:headEnd len="sm" w="sm" type="none"/>
-            <a:tailEnd len="sm" w="sm" type="none"/>
-          </a:ln>
-        </p:spPr>
-        <p:txBody>
-          <a:bodyPr anchorCtr="0" anchor="ctr" bIns="91425" lIns="91425" spcFirstLastPara="1" rIns="91425" wrap="square" tIns="91425">
-            <a:noAutofit/>
-          </a:bodyPr>
-          <a:lstStyle/>
-          <a:p>
-            <a:pPr indent="0" lvl="0" marL="0" rtl="0" algn="ctr">
-              <a:spcBef>
-                <a:spcPts val="0"/>
-              </a:spcBef>
-              <a:spcAft>
-                <a:spcPts val="0"/>
-              </a:spcAft>
-              <a:buNone/>
-            </a:pPr>
-            <a:r>
-              <a:t/>
-            </a:r>
-            <a:endParaRPr>
-              <a:latin typeface="Lato"/>
-              <a:ea typeface="Lato"/>
-              <a:cs typeface="Lato"/>
-              <a:sym typeface="Lato"/>
-            </a:endParaRPr>
-          </a:p>
-        </p:txBody>
-      </p:sp>
-      <p:sp>
-        <p:nvSpPr>
-          <p:cNvPr id="198" name="Google Shape;198;p18"/>
-          <p:cNvSpPr/>
-          <p:nvPr/>
-        </p:nvSpPr>
-        <p:spPr>
-          <a:xfrm>
-            <a:off x="6060100" y="4046450"/>
-            <a:ext cx="638700" cy="405900"/>
-          </a:xfrm>
-          <a:prstGeom prst="rect">
-            <a:avLst/>
-          </a:prstGeom>
-          <a:solidFill>
-            <a:srgbClr val="DC6565"/>
-          </a:solidFill>
-          <a:ln cap="flat" cmpd="sng" w="9525">
-            <a:solidFill>
-              <a:schemeClr val="dk2"/>
-            </a:solidFill>
-            <a:prstDash val="solid"/>
-            <a:round/>
-            <a:headEnd len="sm" w="sm" type="none"/>
-            <a:tailEnd len="sm" w="sm" type="none"/>
-          </a:ln>
-        </p:spPr>
-        <p:txBody>
-          <a:bodyPr anchorCtr="0" anchor="ctr" bIns="91425" lIns="91425" spcFirstLastPara="1" rIns="91425" wrap="square" tIns="91425">
-            <a:noAutofit/>
-          </a:bodyPr>
-          <a:lstStyle/>
-          <a:p>
-            <a:pPr indent="0" lvl="0" marL="0" rtl="0" algn="ctr">
-              <a:spcBef>
-                <a:spcPts val="0"/>
-              </a:spcBef>
-              <a:spcAft>
-                <a:spcPts val="0"/>
-              </a:spcAft>
-              <a:buNone/>
-            </a:pPr>
-            <a:r>
-              <a:t/>
-            </a:r>
-            <a:endParaRPr>
-              <a:latin typeface="Lato"/>
-              <a:ea typeface="Lato"/>
-              <a:cs typeface="Lato"/>
-              <a:sym typeface="Lato"/>
-            </a:endParaRPr>
-          </a:p>
-        </p:txBody>
-      </p:sp>
-      <p:sp>
-        <p:nvSpPr>
-          <p:cNvPr id="199" name="Google Shape;199;p18"/>
-          <p:cNvSpPr/>
-          <p:nvPr/>
-        </p:nvSpPr>
-        <p:spPr>
-          <a:xfrm>
-            <a:off x="5263413" y="2457875"/>
-            <a:ext cx="638700" cy="405900"/>
-          </a:xfrm>
-          <a:prstGeom prst="rect">
-            <a:avLst/>
-          </a:prstGeom>
-          <a:solidFill>
-            <a:srgbClr val="A4C2F4"/>
-          </a:solidFill>
-          <a:ln cap="flat" cmpd="sng" w="9525">
-            <a:solidFill>
-              <a:schemeClr val="dk2"/>
-            </a:solidFill>
-            <a:prstDash val="solid"/>
-            <a:round/>
-            <a:headEnd len="sm" w="sm" type="none"/>
-            <a:tailEnd len="sm" w="sm" type="none"/>
-          </a:ln>
-        </p:spPr>
-        <p:txBody>
-          <a:bodyPr anchorCtr="0" anchor="ctr" bIns="91425" lIns="91425" spcFirstLastPara="1" rIns="91425" wrap="square" tIns="91425">
-            <a:noAutofit/>
-          </a:bodyPr>
-          <a:lstStyle/>
-          <a:p>
-            <a:pPr indent="0" lvl="0" marL="0" rtl="0" algn="ctr">
-              <a:spcBef>
-                <a:spcPts val="0"/>
-              </a:spcBef>
-              <a:spcAft>
-                <a:spcPts val="0"/>
-              </a:spcAft>
-              <a:buNone/>
-            </a:pPr>
-            <a:r>
-              <a:rPr lang="en">
-                <a:latin typeface="Lato"/>
-                <a:ea typeface="Lato"/>
-                <a:cs typeface="Lato"/>
-                <a:sym typeface="Lato"/>
-              </a:rPr>
-              <a:t>1</a:t>
-            </a:r>
-            <a:endParaRPr>
-              <a:latin typeface="Lato"/>
-              <a:ea typeface="Lato"/>
-              <a:cs typeface="Lato"/>
-              <a:sym typeface="Lato"/>
-            </a:endParaRPr>
-          </a:p>
-        </p:txBody>
-      </p:sp>
-      <p:sp>
-        <p:nvSpPr>
-          <p:cNvPr id="200" name="Google Shape;200;p18"/>
-          <p:cNvSpPr/>
-          <p:nvPr/>
-        </p:nvSpPr>
-        <p:spPr>
-          <a:xfrm>
-            <a:off x="6860788" y="2457875"/>
-            <a:ext cx="638700" cy="405900"/>
-          </a:xfrm>
-          <a:prstGeom prst="rect">
-            <a:avLst/>
-          </a:prstGeom>
-          <a:solidFill>
-            <a:srgbClr val="A4C2F4"/>
-          </a:solidFill>
-          <a:ln cap="flat" cmpd="sng" w="9525">
-            <a:solidFill>
-              <a:schemeClr val="dk2"/>
-            </a:solidFill>
-            <a:prstDash val="solid"/>
-            <a:round/>
-            <a:headEnd len="sm" w="sm" type="none"/>
-            <a:tailEnd len="sm" w="sm" type="none"/>
-          </a:ln>
-        </p:spPr>
-        <p:txBody>
-          <a:bodyPr anchorCtr="0" anchor="ctr" bIns="91425" lIns="91425" spcFirstLastPara="1" rIns="91425" wrap="square" tIns="91425">
-            <a:noAutofit/>
-          </a:bodyPr>
-          <a:lstStyle/>
-          <a:p>
-            <a:pPr indent="0" lvl="0" marL="0" rtl="0" algn="ctr">
-              <a:spcBef>
-                <a:spcPts val="0"/>
-              </a:spcBef>
-              <a:spcAft>
-                <a:spcPts val="0"/>
-              </a:spcAft>
-              <a:buNone/>
-            </a:pPr>
-            <a:r>
-              <a:rPr lang="en">
-                <a:latin typeface="Lato"/>
-                <a:ea typeface="Lato"/>
-                <a:cs typeface="Lato"/>
-                <a:sym typeface="Lato"/>
-              </a:rPr>
-              <a:t>3</a:t>
-            </a:r>
-            <a:endParaRPr>
-              <a:latin typeface="Lato"/>
-              <a:ea typeface="Lato"/>
-              <a:cs typeface="Lato"/>
-              <a:sym typeface="Lato"/>
-            </a:endParaRPr>
-          </a:p>
-        </p:txBody>
-      </p:sp>
-      <p:sp>
-        <p:nvSpPr>
-          <p:cNvPr id="201" name="Google Shape;201;p18"/>
-          <p:cNvSpPr/>
-          <p:nvPr/>
-        </p:nvSpPr>
-        <p:spPr>
-          <a:xfrm>
-            <a:off x="6062100" y="2457875"/>
-            <a:ext cx="638700" cy="405900"/>
-          </a:xfrm>
-          <a:prstGeom prst="rect">
-            <a:avLst/>
-          </a:prstGeom>
-          <a:solidFill>
-            <a:srgbClr val="A4C2F4"/>
-          </a:solidFill>
-          <a:ln cap="flat" cmpd="sng" w="9525">
-            <a:solidFill>
-              <a:schemeClr val="dk2"/>
-            </a:solidFill>
-            <a:prstDash val="solid"/>
-            <a:round/>
-            <a:headEnd len="sm" w="sm" type="none"/>
-            <a:tailEnd len="sm" w="sm" type="none"/>
-          </a:ln>
-        </p:spPr>
-        <p:txBody>
-          <a:bodyPr anchorCtr="0" anchor="ctr" bIns="91425" lIns="91425" spcFirstLastPara="1" rIns="91425" wrap="square" tIns="91425">
-            <a:noAutofit/>
-          </a:bodyPr>
-          <a:lstStyle/>
-          <a:p>
-            <a:pPr indent="0" lvl="0" marL="0" rtl="0" algn="ctr">
-              <a:spcBef>
-                <a:spcPts val="0"/>
-              </a:spcBef>
-              <a:spcAft>
-                <a:spcPts val="0"/>
-              </a:spcAft>
-              <a:buNone/>
-            </a:pPr>
-            <a:r>
-              <a:rPr lang="en">
-                <a:latin typeface="Lato"/>
-                <a:ea typeface="Lato"/>
-                <a:cs typeface="Lato"/>
-                <a:sym typeface="Lato"/>
-              </a:rPr>
-              <a:t>2</a:t>
-            </a:r>
-            <a:endParaRPr>
-              <a:latin typeface="Lato"/>
-              <a:ea typeface="Lato"/>
-              <a:cs typeface="Lato"/>
-              <a:sym typeface="Lato"/>
-            </a:endParaRPr>
-          </a:p>
-        </p:txBody>
-      </p:sp>
-      <p:sp>
-        <p:nvSpPr>
-          <p:cNvPr id="202" name="Google Shape;202;p18"/>
-          <p:cNvSpPr txBox="1"/>
-          <p:nvPr/>
-        </p:nvSpPr>
-        <p:spPr>
-          <a:xfrm>
-            <a:off x="5260400" y="1547825"/>
-            <a:ext cx="2237100" cy="750300"/>
-          </a:xfrm>
-          <a:prstGeom prst="rect">
-            <a:avLst/>
-          </a:prstGeom>
-          <a:noFill/>
-          <a:ln>
-            <a:noFill/>
-          </a:ln>
-        </p:spPr>
-        <p:txBody>
-          <a:bodyPr anchorCtr="0" anchor="ctr" bIns="91425" lIns="91425" spcFirstLastPara="1" rIns="91425" wrap="square" tIns="91425">
-            <a:noAutofit/>
-          </a:bodyPr>
-          <a:lstStyle/>
-          <a:p>
-            <a:pPr indent="0" lvl="0" marL="0" rtl="0" algn="ctr">
-              <a:spcBef>
-                <a:spcPts val="0"/>
-              </a:spcBef>
-              <a:spcAft>
-                <a:spcPts val="0"/>
-              </a:spcAft>
-              <a:buNone/>
-            </a:pPr>
-            <a:r>
-              <a:rPr lang="en" sz="3300">
-                <a:solidFill>
-                  <a:schemeClr val="lt1"/>
-                </a:solidFill>
-                <a:latin typeface="Lato"/>
-                <a:ea typeface="Lato"/>
-                <a:cs typeface="Lato"/>
-                <a:sym typeface="Lato"/>
-              </a:rPr>
-              <a:t>3</a:t>
-            </a:r>
-            <a:endParaRPr sz="3300">
-              <a:solidFill>
-                <a:schemeClr val="lt1"/>
-              </a:solidFill>
-              <a:latin typeface="Lato"/>
-              <a:ea typeface="Lato"/>
-              <a:cs typeface="Lato"/>
-              <a:sym typeface="Lato"/>
-            </a:endParaRPr>
-          </a:p>
-        </p:txBody>
-      </p:sp>
-      <p:sp>
-        <p:nvSpPr>
-          <p:cNvPr id="203" name="Google Shape;203;p18"/>
-          <p:cNvSpPr/>
-          <p:nvPr/>
-        </p:nvSpPr>
-        <p:spPr>
-          <a:xfrm>
-            <a:off x="6239950" y="4145550"/>
-            <a:ext cx="285600" cy="195900"/>
-          </a:xfrm>
-          <a:prstGeom prst="leftArrow">
-            <a:avLst>
-              <a:gd fmla="val 50000" name="adj1"/>
-              <a:gd fmla="val 50000" name="adj2"/>
-            </a:avLst>
-          </a:prstGeom>
-          <a:solidFill>
-            <a:srgbClr val="000000"/>
-          </a:solidFill>
-          <a:ln cap="flat" cmpd="sng" w="9525">
-            <a:solidFill>
-              <a:srgbClr val="000000"/>
-            </a:solidFill>
-            <a:prstDash val="solid"/>
-            <a:round/>
-            <a:headEnd len="sm" w="sm" type="none"/>
-            <a:tailEnd len="sm" w="sm" type="none"/>
-          </a:ln>
-        </p:spPr>
-        <p:txBody>
-          <a:bodyPr anchorCtr="0" anchor="ctr" bIns="91425" lIns="91425" spcFirstLastPara="1" rIns="91425" wrap="square" tIns="91425">
-            <a:noAutofit/>
-          </a:bodyPr>
-          <a:lstStyle/>
-          <a:p>
-            <a:pPr indent="0" lvl="0" marL="0" rtl="0" algn="ctr">
-              <a:spcBef>
-                <a:spcPts val="0"/>
-              </a:spcBef>
-              <a:spcAft>
-                <a:spcPts val="0"/>
-              </a:spcAft>
-              <a:buNone/>
-            </a:pPr>
-            <a:r>
-              <a:t/>
-            </a:r>
-            <a:endParaRPr>
-              <a:latin typeface="Lato"/>
-              <a:ea typeface="Lato"/>
-              <a:cs typeface="Lato"/>
-              <a:sym typeface="Lato"/>
-            </a:endParaRPr>
-          </a:p>
-        </p:txBody>
-      </p:sp>
+      </p:pic>
       <p:cxnSp>
         <p:nvCxnSpPr>
-          <p:cNvPr id="204" name="Google Shape;204;p18"/>
+          <p:cNvPr id="179" name="Google Shape;179;p18"/>
           <p:cNvCxnSpPr/>
           <p:nvPr/>
         </p:nvCxnSpPr>
         <p:spPr>
-          <a:xfrm>
-            <a:off x="7084650" y="4246200"/>
-            <a:ext cx="102900" cy="108300"/>
+          <a:xfrm flipH="1" rot="10800000">
+            <a:off x="2891600" y="2571750"/>
+            <a:ext cx="254700" cy="737400"/>
           </a:xfrm>
           <a:prstGeom prst="straightConnector1">
             <a:avLst/>
           </a:prstGeom>
           <a:noFill/>
-          <a:ln cap="flat" cmpd="sng" w="76200">
+          <a:ln cap="flat" cmpd="sng" w="38100">
             <a:solidFill>
-              <a:srgbClr val="000000"/>
+              <a:srgbClr val="54CF54"/>
             </a:solidFill>
             <a:prstDash val="solid"/>
             <a:round/>
             <a:headEnd len="med" w="med" type="none"/>
-            <a:tailEnd len="med" w="med" type="none"/>
-          </a:ln>
-        </p:spPr>
-      </p:cxnSp>
-      <p:cxnSp>
-        <p:nvCxnSpPr>
-          <p:cNvPr id="205" name="Google Shape;205;p18"/>
-          <p:cNvCxnSpPr/>
-          <p:nvPr/>
-        </p:nvCxnSpPr>
-        <p:spPr>
-          <a:xfrm flipH="1">
-            <a:off x="7135500" y="4140350"/>
-            <a:ext cx="169800" cy="218100"/>
-          </a:xfrm>
-          <a:prstGeom prst="straightConnector1">
-            <a:avLst/>
-          </a:prstGeom>
-          <a:noFill/>
-          <a:ln cap="flat" cmpd="sng" w="76200">
-            <a:solidFill>
-              <a:srgbClr val="000000"/>
-            </a:solidFill>
-            <a:prstDash val="solid"/>
-            <a:round/>
-            <a:headEnd len="med" w="med" type="none"/>
-            <a:tailEnd len="med" w="med" type="none"/>
+            <a:tailEnd len="med" w="med" type="triangle"/>
           </a:ln>
         </p:spPr>
       </p:cxnSp>
@@ -12461,7 +10820,7 @@
   <p:cSld>
     <p:spTree>
       <p:nvGrpSpPr>
-        <p:cNvPr id="209" name="Shape 209"/>
+        <p:cNvPr id="183" name="Shape 183"/>
         <p:cNvGrpSpPr/>
         <p:nvPr/>
       </p:nvGrpSpPr>
@@ -12475,221 +10834,7 @@
       </p:grpSpPr>
       <p:sp>
         <p:nvSpPr>
-          <p:cNvPr id="210" name="Google Shape;210;p19"/>
-          <p:cNvSpPr txBox="1"/>
-          <p:nvPr>
-            <p:ph type="title"/>
-          </p:nvPr>
-        </p:nvSpPr>
-        <p:spPr>
-          <a:xfrm>
-            <a:off x="1297500" y="380650"/>
-            <a:ext cx="7038900" cy="565800"/>
-          </a:xfrm>
-          <a:prstGeom prst="rect">
-            <a:avLst/>
-          </a:prstGeom>
-        </p:spPr>
-        <p:txBody>
-          <a:bodyPr anchorCtr="0" anchor="t" bIns="91425" lIns="91425" spcFirstLastPara="1" rIns="91425" wrap="square" tIns="91425">
-            <a:noAutofit/>
-          </a:bodyPr>
-          <a:lstStyle/>
-          <a:p>
-            <a:pPr indent="0" lvl="0" marL="0" rtl="0" algn="l">
-              <a:spcBef>
-                <a:spcPts val="0"/>
-              </a:spcBef>
-              <a:spcAft>
-                <a:spcPts val="0"/>
-              </a:spcAft>
-              <a:buSzPts val="990"/>
-              <a:buNone/>
-            </a:pPr>
-            <a:r>
-              <a:rPr lang="en" sz="1960"/>
-              <a:t>Other </a:t>
-            </a:r>
-            <a:r>
-              <a:rPr lang="en" sz="1960"/>
-              <a:t>Form Study: Feeding Westchester Client Sign-in</a:t>
-            </a:r>
-            <a:endParaRPr sz="1960"/>
-          </a:p>
-        </p:txBody>
-      </p:sp>
-      <p:sp>
-        <p:nvSpPr>
-          <p:cNvPr id="211" name="Google Shape;211;p19"/>
-          <p:cNvSpPr txBox="1"/>
-          <p:nvPr>
-            <p:ph idx="1" type="body"/>
-          </p:nvPr>
-        </p:nvSpPr>
-        <p:spPr>
-          <a:xfrm>
-            <a:off x="1297500" y="946450"/>
-            <a:ext cx="6972600" cy="1984200"/>
-          </a:xfrm>
-          <a:prstGeom prst="rect">
-            <a:avLst/>
-          </a:prstGeom>
-        </p:spPr>
-        <p:txBody>
-          <a:bodyPr anchorCtr="0" anchor="t" bIns="91425" lIns="91425" spcFirstLastPara="1" rIns="91425" wrap="square" tIns="91425">
-            <a:normAutofit/>
-          </a:bodyPr>
-          <a:lstStyle/>
-          <a:p>
-            <a:pPr indent="-311150" lvl="0" marL="457200" rtl="0" algn="l">
-              <a:spcBef>
-                <a:spcPts val="0"/>
-              </a:spcBef>
-              <a:spcAft>
-                <a:spcPts val="0"/>
-              </a:spcAft>
-              <a:buSzPts val="1300"/>
-              <a:buChar char="●"/>
-            </a:pPr>
-            <a:r>
-              <a:rPr lang="en"/>
-              <a:t>TOUCH likely has a paper form similar to this.</a:t>
-            </a:r>
-            <a:endParaRPr/>
-          </a:p>
-          <a:p>
-            <a:pPr indent="-311150" lvl="0" marL="457200" rtl="0" algn="l">
-              <a:spcBef>
-                <a:spcPts val="0"/>
-              </a:spcBef>
-              <a:spcAft>
-                <a:spcPts val="0"/>
-              </a:spcAft>
-              <a:buSzPts val="1300"/>
-              <a:buChar char="●"/>
-            </a:pPr>
-            <a:r>
-              <a:rPr lang="en"/>
-              <a:t>This is a paper form. The information probably gets entered twice: once on the paper form and again in a digital spreadsheet.</a:t>
-            </a:r>
-            <a:endParaRPr/>
-          </a:p>
-          <a:p>
-            <a:pPr indent="-311150" lvl="0" marL="457200" rtl="0" algn="l">
-              <a:spcBef>
-                <a:spcPts val="0"/>
-              </a:spcBef>
-              <a:spcAft>
-                <a:spcPts val="0"/>
-              </a:spcAft>
-              <a:buSzPts val="1300"/>
-              <a:buChar char="●"/>
-            </a:pPr>
-            <a:r>
-              <a:rPr lang="en"/>
-              <a:t>It seems multiple different clients enter their information on the same form; so clients might see each </a:t>
-            </a:r>
-            <a:r>
-              <a:rPr lang="en"/>
-              <a:t>other</a:t>
-            </a:r>
-            <a:r>
-              <a:rPr lang="en"/>
-              <a:t>’s information.</a:t>
-            </a:r>
-            <a:endParaRPr/>
-          </a:p>
-          <a:p>
-            <a:pPr indent="-311150" lvl="0" marL="457200" rtl="0" algn="l">
-              <a:spcBef>
-                <a:spcPts val="0"/>
-              </a:spcBef>
-              <a:spcAft>
-                <a:spcPts val="0"/>
-              </a:spcAft>
-              <a:buSzPts val="1300"/>
-              <a:buChar char="●"/>
-            </a:pPr>
-            <a:r>
-              <a:rPr lang="en"/>
-              <a:t>The vertical text is a bit hard to read.</a:t>
-            </a:r>
-            <a:endParaRPr/>
-          </a:p>
-          <a:p>
-            <a:pPr indent="-311150" lvl="0" marL="457200" rtl="0" algn="l">
-              <a:spcBef>
-                <a:spcPts val="0"/>
-              </a:spcBef>
-              <a:spcAft>
-                <a:spcPts val="0"/>
-              </a:spcAft>
-              <a:buSzPts val="1300"/>
-              <a:buChar char="●"/>
-            </a:pPr>
-            <a:r>
-              <a:rPr lang="en"/>
-              <a:t>In conclusion: TOUCH can be a leading innovator in digital record-keeping efficiency in the food distribution industry if they implement digital forms.</a:t>
-            </a:r>
-            <a:endParaRPr/>
-          </a:p>
-        </p:txBody>
-      </p:sp>
-      <p:pic>
-        <p:nvPicPr>
-          <p:cNvPr id="212" name="Google Shape;212;p19"/>
-          <p:cNvPicPr preferRelativeResize="0"/>
-          <p:nvPr/>
-        </p:nvPicPr>
-        <p:blipFill rotWithShape="1">
-          <a:blip r:embed="rId3">
-            <a:alphaModFix/>
-          </a:blip>
-          <a:srcRect b="58540" l="0" r="0" t="14420"/>
-          <a:stretch/>
-        </p:blipFill>
-        <p:spPr>
-          <a:xfrm>
-            <a:off x="1900129" y="2930750"/>
-            <a:ext cx="5833624" cy="2040251"/>
-          </a:xfrm>
-          <a:prstGeom prst="rect">
-            <a:avLst/>
-          </a:prstGeom>
-          <a:noFill/>
-          <a:ln>
-            <a:noFill/>
-          </a:ln>
-        </p:spPr>
-      </p:pic>
-    </p:spTree>
-  </p:cSld>
-  <p:clrMapOvr>
-    <a:masterClrMapping/>
-  </p:clrMapOvr>
-</p:sld>
-</file>
-
-<file path=ppt/slides/slide8.xml><?xml version="1.0" encoding="utf-8"?>
-<p:sld xmlns:a="http://schemas.openxmlformats.org/drawingml/2006/main" xmlns:r="http://schemas.openxmlformats.org/officeDocument/2006/relationships" xmlns:mc="http://schemas.openxmlformats.org/markup-compatibility/2006" xmlns:mv="urn:schemas-microsoft-com:mac:vml" xmlns:p="http://schemas.openxmlformats.org/presentationml/2006/main" xmlns:c="http://schemas.openxmlformats.org/drawingml/2006/chart" xmlns:dgm="http://schemas.openxmlformats.org/drawingml/2006/diagram" xmlns:o="urn:schemas-microsoft-com:office:office" xmlns:v="urn:schemas-microsoft-com:vml" xmlns:pvml="urn:schemas-microsoft-com:office:powerpoint" xmlns:com="http://schemas.openxmlformats.org/drawingml/2006/compatibility" xmlns:p14="http://schemas.microsoft.com/office/powerpoint/2010/main" xmlns:p15="http://schemas.microsoft.com/office/powerpoint/2012/main" xmlns:ahyp="http://schemas.microsoft.com/office/drawing/2018/hyperlinkcolor">
-  <p:cSld>
-    <p:spTree>
-      <p:nvGrpSpPr>
-        <p:cNvPr id="216" name="Shape 216"/>
-        <p:cNvGrpSpPr/>
-        <p:nvPr/>
-      </p:nvGrpSpPr>
-      <p:grpSpPr>
-        <a:xfrm>
-          <a:off x="0" y="0"/>
-          <a:ext cx="0" cy="0"/>
-          <a:chOff x="0" y="0"/>
-          <a:chExt cx="0" cy="0"/>
-        </a:xfrm>
-      </p:grpSpPr>
-      <p:sp>
-        <p:nvSpPr>
-          <p:cNvPr id="217" name="Google Shape;217;p20"/>
+          <p:cNvPr id="184" name="Google Shape;184;p19"/>
           <p:cNvSpPr txBox="1"/>
           <p:nvPr>
             <p:ph type="title"/>
@@ -12721,7 +10866,7 @@
             </a:pPr>
             <a:r>
               <a:rPr lang="en"/>
-              <a:t>Paper Forms are Often Forgotten. Digital Forms and Databases May Help</a:t>
+              <a:t>Other RCAH agencies Need Digital Record-Keeping More Than TOUCH</a:t>
             </a:r>
             <a:endParaRPr/>
           </a:p>
@@ -12729,7 +10874,7 @@
       </p:sp>
       <p:sp>
         <p:nvSpPr>
-          <p:cNvPr id="218" name="Google Shape;218;p20"/>
+          <p:cNvPr id="185" name="Google Shape;185;p19"/>
           <p:cNvSpPr txBox="1"/>
           <p:nvPr>
             <p:ph idx="1" type="body"/>
@@ -12738,7 +10883,7 @@
         <p:spPr>
           <a:xfrm>
             <a:off x="1297500" y="1567550"/>
-            <a:ext cx="7038900" cy="2911200"/>
+            <a:ext cx="7038900" cy="3210300"/>
           </a:xfrm>
           <a:prstGeom prst="rect">
             <a:avLst/>
@@ -12761,7 +10906,7 @@
             </a:pPr>
             <a:r>
               <a:rPr lang="en"/>
-              <a:t>Often, paper forms are filled out, placed in a filing cabinet, and then forgotten about. For example: I sent a volunteer application to the ASPCA last year; I never heard back.</a:t>
+              <a:t>Last Friday afternoon, I had a phone call with Tiffany Lloyd from TOUCH.</a:t>
             </a:r>
             <a:endParaRPr/>
           </a:p>
@@ -12777,7 +10922,11 @@
             </a:pPr>
             <a:r>
               <a:rPr lang="en"/>
-              <a:t>With digital forms, a system could be set up that immediately sends the data to a database the moment the form is completed. Then, a notification system connected to the database can remind staff of outstanding tasks.</a:t>
+              <a:t>It seems </a:t>
+            </a:r>
+            <a:r>
+              <a:rPr lang="en"/>
+              <a:t>that TOUCH already has many digital forms of data entry and record-keeping in place. Lloyd stated that when she joined TOUCH, she replaced an old paper form with a Google Forms version.</a:t>
             </a:r>
             <a:endParaRPr/>
           </a:p>
@@ -12793,7 +10942,120 @@
             </a:pPr>
             <a:r>
               <a:rPr lang="en"/>
-              <a:t>I commend TOUCH for having a </a:t>
+              <a:t>She stated that any remaining paper forms might not be a good fit for converting to digital. Some forms, like TEFAP forms, are required by the government to be paper. Many of the volunteers are young disabled adults who might struggle to fill out a paper form (the digital tablet idea presented in previous slides </a:t>
+            </a:r>
+            <a:r>
+              <a:rPr i="1" lang="en"/>
+              <a:t>may</a:t>
+            </a:r>
+            <a:r>
+              <a:rPr lang="en"/>
+              <a:t> alleviate this). I believe she mentioned Palmer’s “volunteer portal” idea and stated that it may not be a good fit for the volunteers for the same reason (though she stated that the host of a volunteer group may be able to make use of the portal).</a:t>
+            </a:r>
+            <a:endParaRPr/>
+          </a:p>
+        </p:txBody>
+      </p:sp>
+    </p:spTree>
+  </p:cSld>
+  <p:clrMapOvr>
+    <a:masterClrMapping/>
+  </p:clrMapOvr>
+</p:sld>
+</file>
+
+<file path=ppt/slides/slide8.xml><?xml version="1.0" encoding="utf-8"?>
+<p:sld xmlns:a="http://schemas.openxmlformats.org/drawingml/2006/main" xmlns:r="http://schemas.openxmlformats.org/officeDocument/2006/relationships" xmlns:mc="http://schemas.openxmlformats.org/markup-compatibility/2006" xmlns:mv="urn:schemas-microsoft-com:mac:vml" xmlns:p="http://schemas.openxmlformats.org/presentationml/2006/main" xmlns:c="http://schemas.openxmlformats.org/drawingml/2006/chart" xmlns:dgm="http://schemas.openxmlformats.org/drawingml/2006/diagram" xmlns:o="urn:schemas-microsoft-com:office:office" xmlns:v="urn:schemas-microsoft-com:vml" xmlns:pvml="urn:schemas-microsoft-com:office:powerpoint" xmlns:com="http://schemas.openxmlformats.org/drawingml/2006/compatibility" xmlns:p14="http://schemas.microsoft.com/office/powerpoint/2010/main" xmlns:p15="http://schemas.microsoft.com/office/powerpoint/2012/main" xmlns:ahyp="http://schemas.microsoft.com/office/drawing/2018/hyperlinkcolor">
+  <p:cSld>
+    <p:spTree>
+      <p:nvGrpSpPr>
+        <p:cNvPr id="189" name="Shape 189"/>
+        <p:cNvGrpSpPr/>
+        <p:nvPr/>
+      </p:nvGrpSpPr>
+      <p:grpSpPr>
+        <a:xfrm>
+          <a:off x="0" y="0"/>
+          <a:ext cx="0" cy="0"/>
+          <a:chOff x="0" y="0"/>
+          <a:chExt cx="0" cy="0"/>
+        </a:xfrm>
+      </p:grpSpPr>
+      <p:sp>
+        <p:nvSpPr>
+          <p:cNvPr id="190" name="Google Shape;190;p20"/>
+          <p:cNvSpPr txBox="1"/>
+          <p:nvPr>
+            <p:ph type="title"/>
+          </p:nvPr>
+        </p:nvSpPr>
+        <p:spPr>
+          <a:xfrm>
+            <a:off x="1297500" y="393750"/>
+            <a:ext cx="7038900" cy="914100"/>
+          </a:xfrm>
+          <a:prstGeom prst="rect">
+            <a:avLst/>
+          </a:prstGeom>
+        </p:spPr>
+        <p:txBody>
+          <a:bodyPr anchorCtr="0" anchor="t" bIns="91425" lIns="91425" spcFirstLastPara="1" rIns="91425" wrap="square" tIns="91425">
+            <a:normAutofit fontScale="90000"/>
+          </a:bodyPr>
+          <a:lstStyle/>
+          <a:p>
+            <a:pPr indent="0" lvl="0" marL="0" rtl="0" algn="l">
+              <a:spcBef>
+                <a:spcPts val="0"/>
+              </a:spcBef>
+              <a:spcAft>
+                <a:spcPts val="0"/>
+              </a:spcAft>
+              <a:buNone/>
+            </a:pPr>
+            <a:r>
+              <a:rPr lang="en"/>
+              <a:t>Other RCAH agencies Need Digital Record-Keeping More Than TOUCH (2)</a:t>
+            </a:r>
+            <a:endParaRPr/>
+          </a:p>
+        </p:txBody>
+      </p:sp>
+      <p:sp>
+        <p:nvSpPr>
+          <p:cNvPr id="191" name="Google Shape;191;p20"/>
+          <p:cNvSpPr txBox="1"/>
+          <p:nvPr>
+            <p:ph idx="1" type="body"/>
+          </p:nvPr>
+        </p:nvSpPr>
+        <p:spPr>
+          <a:xfrm>
+            <a:off x="1297500" y="1567550"/>
+            <a:ext cx="7038900" cy="3210300"/>
+          </a:xfrm>
+          <a:prstGeom prst="rect">
+            <a:avLst/>
+          </a:prstGeom>
+        </p:spPr>
+        <p:txBody>
+          <a:bodyPr anchorCtr="0" anchor="t" bIns="91425" lIns="91425" spcFirstLastPara="1" rIns="91425" wrap="square" tIns="91425">
+            <a:normAutofit/>
+          </a:bodyPr>
+          <a:lstStyle/>
+          <a:p>
+            <a:pPr indent="0" lvl="0" marL="0" rtl="0" algn="l">
+              <a:spcBef>
+                <a:spcPts val="0"/>
+              </a:spcBef>
+              <a:spcAft>
+                <a:spcPts val="0"/>
+              </a:spcAft>
+              <a:buNone/>
+            </a:pPr>
+            <a:r>
+              <a:rPr lang="en"/>
+              <a:t>In conclusion, what I learned from my call with Lloyd is it seems that TOUCH already has robust digital data entry and record keeping systems in place. This is also proved by their website, which has a </a:t>
             </a:r>
             <a:r>
               <a:rPr lang="en" u="sng">
@@ -12802,11 +11064,36 @@
                 </a:solidFill>
                 <a:hlinkClick r:id="rId3"/>
               </a:rPr>
-              <a:t>digital form system for volunteers in place on their website</a:t>
+              <a:t>Google Forms page for volunteer application</a:t>
+            </a:r>
+            <a:r>
+              <a:rPr lang="en" u="sng">
+                <a:solidFill>
+                  <a:schemeClr val="hlink"/>
+                </a:solidFill>
+                <a:hlinkClick r:id="rId4"/>
+              </a:rPr>
+              <a:t>s</a:t>
             </a:r>
             <a:r>
               <a:rPr lang="en"/>
               <a:t>.</a:t>
+            </a:r>
+            <a:endParaRPr/>
+          </a:p>
+          <a:p>
+            <a:pPr indent="0" lvl="0" marL="0" rtl="0" algn="l">
+              <a:spcBef>
+                <a:spcPts val="1200"/>
+              </a:spcBef>
+              <a:spcAft>
+                <a:spcPts val="1200"/>
+              </a:spcAft>
+              <a:buNone/>
+            </a:pPr>
+            <a:r>
+              <a:rPr lang="en"/>
+              <a:t>However, Lloyd told me that other smaller agencies in the Rockland Community Against Hunger network (which TOUCH is the leader of) may need a digital data entry and record-keeping overhaul more than TOUCH. For example, I could help by receiving the paper forms that these agencies use, and creating Google Forms pages.</a:t>
             </a:r>
             <a:endParaRPr/>
           </a:p>
@@ -12825,7 +11112,7 @@
   <p:cSld>
     <p:spTree>
       <p:nvGrpSpPr>
-        <p:cNvPr id="222" name="Shape 222"/>
+        <p:cNvPr id="195" name="Shape 195"/>
         <p:cNvGrpSpPr/>
         <p:nvPr/>
       </p:nvGrpSpPr>
@@ -12839,7 +11126,7 @@
       </p:grpSpPr>
       <p:sp>
         <p:nvSpPr>
-          <p:cNvPr id="223" name="Google Shape;223;p21"/>
+          <p:cNvPr id="196" name="Google Shape;196;p21"/>
           <p:cNvSpPr txBox="1"/>
           <p:nvPr>
             <p:ph type="title"/>
@@ -12886,6 +11173,285 @@
 </file>
 
 <file path=ppt/theme/theme1.xml><?xml version="1.0" encoding="utf-8"?>
+<a:theme xmlns:a="http://schemas.openxmlformats.org/drawingml/2006/main" xmlns:r="http://schemas.openxmlformats.org/officeDocument/2006/relationships" name="Focus">
+  <a:themeElements>
+    <a:clrScheme name="Focus">
+      <a:dk1>
+        <a:srgbClr val="1B212C"/>
+      </a:dk1>
+      <a:lt1>
+        <a:srgbClr val="FFFFFF"/>
+      </a:lt1>
+      <a:dk2>
+        <a:srgbClr val="D9D9D9"/>
+      </a:dk2>
+      <a:lt2>
+        <a:srgbClr val="82C7A5"/>
+      </a:lt2>
+      <a:accent1>
+        <a:srgbClr val="0145AC"/>
+      </a:accent1>
+      <a:accent2>
+        <a:srgbClr val="EECE1A"/>
+      </a:accent2>
+      <a:accent3>
+        <a:srgbClr val="4E5567"/>
+      </a:accent3>
+      <a:accent4>
+        <a:srgbClr val="F4D6AD"/>
+      </a:accent4>
+      <a:accent5>
+        <a:srgbClr val="7890CD"/>
+      </a:accent5>
+      <a:accent6>
+        <a:srgbClr val="F15E22"/>
+      </a:accent6>
+      <a:hlink>
+        <a:srgbClr val="7890CD"/>
+      </a:hlink>
+      <a:folHlink>
+        <a:srgbClr val="7890CD"/>
+      </a:folHlink>
+    </a:clrScheme>
+    <a:fontScheme name="Office">
+      <a:majorFont>
+        <a:latin typeface="Arial"/>
+        <a:ea typeface=""/>
+        <a:cs typeface=""/>
+        <a:font script="Jpan" typeface="ＭＳ Ｐゴシック"/>
+        <a:font script="Hang" typeface="맑은 고딕"/>
+        <a:font script="Hans" typeface="宋体"/>
+        <a:font script="Hant" typeface="新細明體"/>
+        <a:font script="Arab" typeface="Times New Roman"/>
+        <a:font script="Hebr" typeface="Times New Roman"/>
+        <a:font script="Thai" typeface="Angsana New"/>
+        <a:font script="Ethi" typeface="Nyala"/>
+        <a:font script="Beng" typeface="Vrinda"/>
+        <a:font script="Gujr" typeface="Shruti"/>
+        <a:font script="Khmr" typeface="MoolBoran"/>
+        <a:font script="Knda" typeface="Tunga"/>
+        <a:font script="Guru" typeface="Raavi"/>
+        <a:font script="Cans" typeface="Euphemia"/>
+        <a:font script="Cher" typeface="Plantagenet Cherokee"/>
+        <a:font script="Yiii" typeface="Microsoft Yi Baiti"/>
+        <a:font script="Tibt" typeface="Microsoft Himalaya"/>
+        <a:font script="Thaa" typeface="MV Boli"/>
+        <a:font script="Deva" typeface="Mangal"/>
+        <a:font script="Telu" typeface="Gautami"/>
+        <a:font script="Taml" typeface="Latha"/>
+        <a:font script="Syrc" typeface="Estrangelo Edessa"/>
+        <a:font script="Orya" typeface="Kalinga"/>
+        <a:font script="Mlym" typeface="Kartika"/>
+        <a:font script="Laoo" typeface="DokChampa"/>
+        <a:font script="Sinh" typeface="Iskoola Pota"/>
+        <a:font script="Mong" typeface="Mongolian Baiti"/>
+        <a:font script="Viet" typeface="Times New Roman"/>
+        <a:font script="Uigh" typeface="Microsoft Uighur"/>
+        <a:font script="Geor" typeface="Sylfaen"/>
+      </a:majorFont>
+      <a:minorFont>
+        <a:latin typeface="Arial"/>
+        <a:ea typeface=""/>
+        <a:cs typeface=""/>
+        <a:font script="Jpan" typeface="ＭＳ Ｐゴシック"/>
+        <a:font script="Hang" typeface="맑은 고딕"/>
+        <a:font script="Hans" typeface="宋体"/>
+        <a:font script="Hant" typeface="新細明體"/>
+        <a:font script="Arab" typeface="Arial"/>
+        <a:font script="Hebr" typeface="Arial"/>
+        <a:font script="Thai" typeface="Cordia New"/>
+        <a:font script="Ethi" typeface="Nyala"/>
+        <a:font script="Beng" typeface="Vrinda"/>
+        <a:font script="Gujr" typeface="Shruti"/>
+        <a:font script="Khmr" typeface="DaunPenh"/>
+        <a:font script="Knda" typeface="Tunga"/>
+        <a:font script="Guru" typeface="Raavi"/>
+        <a:font script="Cans" typeface="Euphemia"/>
+        <a:font script="Cher" typeface="Plantagenet Cherokee"/>
+        <a:font script="Yiii" typeface="Microsoft Yi Baiti"/>
+        <a:font script="Tibt" typeface="Microsoft Himalaya"/>
+        <a:font script="Thaa" typeface="MV Boli"/>
+        <a:font script="Deva" typeface="Mangal"/>
+        <a:font script="Telu" typeface="Gautami"/>
+        <a:font script="Taml" typeface="Latha"/>
+        <a:font script="Syrc" typeface="Estrangelo Edessa"/>
+        <a:font script="Orya" typeface="Kalinga"/>
+        <a:font script="Mlym" typeface="Kartika"/>
+        <a:font script="Laoo" typeface="DokChampa"/>
+        <a:font script="Sinh" typeface="Iskoola Pota"/>
+        <a:font script="Mong" typeface="Mongolian Baiti"/>
+        <a:font script="Viet" typeface="Arial"/>
+        <a:font script="Uigh" typeface="Microsoft Uighur"/>
+        <a:font script="Geor" typeface="Sylfaen"/>
+      </a:minorFont>
+    </a:fontScheme>
+    <a:fmtScheme name="Office">
+      <a:fillStyleLst>
+        <a:solidFill>
+          <a:schemeClr val="phClr"/>
+        </a:solidFill>
+        <a:gradFill rotWithShape="1">
+          <a:gsLst>
+            <a:gs pos="0">
+              <a:schemeClr val="phClr">
+                <a:tint val="50000"/>
+                <a:satMod val="300000"/>
+              </a:schemeClr>
+            </a:gs>
+            <a:gs pos="35000">
+              <a:schemeClr val="phClr">
+                <a:tint val="37000"/>
+                <a:satMod val="300000"/>
+              </a:schemeClr>
+            </a:gs>
+            <a:gs pos="100000">
+              <a:schemeClr val="phClr">
+                <a:tint val="15000"/>
+                <a:satMod val="350000"/>
+              </a:schemeClr>
+            </a:gs>
+          </a:gsLst>
+          <a:lin ang="16200000" scaled="1"/>
+        </a:gradFill>
+        <a:gradFill rotWithShape="1">
+          <a:gsLst>
+            <a:gs pos="0">
+              <a:schemeClr val="phClr">
+                <a:tint val="100000"/>
+                <a:shade val="100000"/>
+                <a:satMod val="130000"/>
+              </a:schemeClr>
+            </a:gs>
+            <a:gs pos="100000">
+              <a:schemeClr val="phClr">
+                <a:tint val="50000"/>
+                <a:shade val="100000"/>
+                <a:satMod val="350000"/>
+              </a:schemeClr>
+            </a:gs>
+          </a:gsLst>
+          <a:lin ang="16200000" scaled="0"/>
+        </a:gradFill>
+      </a:fillStyleLst>
+      <a:lnStyleLst>
+        <a:ln w="9525" cap="flat" cmpd="sng" algn="ctr">
+          <a:solidFill>
+            <a:schemeClr val="phClr">
+              <a:shade val="95000"/>
+              <a:satMod val="105000"/>
+            </a:schemeClr>
+          </a:solidFill>
+          <a:prstDash val="solid"/>
+        </a:ln>
+        <a:ln w="25400" cap="flat" cmpd="sng" algn="ctr">
+          <a:solidFill>
+            <a:schemeClr val="phClr"/>
+          </a:solidFill>
+          <a:prstDash val="solid"/>
+        </a:ln>
+        <a:ln w="38100" cap="flat" cmpd="sng" algn="ctr">
+          <a:solidFill>
+            <a:schemeClr val="phClr"/>
+          </a:solidFill>
+          <a:prstDash val="solid"/>
+        </a:ln>
+      </a:lnStyleLst>
+      <a:effectStyleLst>
+        <a:effectStyle>
+          <a:effectLst>
+            <a:outerShdw blurRad="40000" dist="20000" dir="5400000" rotWithShape="0">
+              <a:srgbClr val="000000">
+                <a:alpha val="38000"/>
+              </a:srgbClr>
+            </a:outerShdw>
+          </a:effectLst>
+        </a:effectStyle>
+        <a:effectStyle>
+          <a:effectLst>
+            <a:outerShdw blurRad="40000" dist="23000" dir="5400000" rotWithShape="0">
+              <a:srgbClr val="000000">
+                <a:alpha val="35000"/>
+              </a:srgbClr>
+            </a:outerShdw>
+          </a:effectLst>
+        </a:effectStyle>
+        <a:effectStyle>
+          <a:effectLst>
+            <a:outerShdw blurRad="40000" dist="23000" dir="5400000" rotWithShape="0">
+              <a:srgbClr val="000000">
+                <a:alpha val="35000"/>
+              </a:srgbClr>
+            </a:outerShdw>
+          </a:effectLst>
+          <a:scene3d>
+            <a:camera prst="orthographicFront">
+              <a:rot lat="0" lon="0" rev="0"/>
+            </a:camera>
+            <a:lightRig rig="threePt" dir="t">
+              <a:rot lat="0" lon="0" rev="1200000"/>
+            </a:lightRig>
+          </a:scene3d>
+          <a:sp3d>
+            <a:bevelT w="63500" h="25400"/>
+          </a:sp3d>
+        </a:effectStyle>
+      </a:effectStyleLst>
+      <a:bgFillStyleLst>
+        <a:solidFill>
+          <a:schemeClr val="phClr"/>
+        </a:solidFill>
+        <a:gradFill rotWithShape="1">
+          <a:gsLst>
+            <a:gs pos="0">
+              <a:schemeClr val="phClr">
+                <a:tint val="40000"/>
+                <a:satMod val="350000"/>
+              </a:schemeClr>
+            </a:gs>
+            <a:gs pos="40000">
+              <a:schemeClr val="phClr">
+                <a:tint val="45000"/>
+                <a:shade val="99000"/>
+                <a:satMod val="350000"/>
+              </a:schemeClr>
+            </a:gs>
+            <a:gs pos="100000">
+              <a:schemeClr val="phClr">
+                <a:shade val="20000"/>
+                <a:satMod val="255000"/>
+              </a:schemeClr>
+            </a:gs>
+          </a:gsLst>
+          <a:path path="circle">
+            <a:fillToRect l="50000" t="-80000" r="50000" b="180000"/>
+          </a:path>
+        </a:gradFill>
+        <a:gradFill rotWithShape="1">
+          <a:gsLst>
+            <a:gs pos="0">
+              <a:schemeClr val="phClr">
+                <a:tint val="80000"/>
+                <a:satMod val="300000"/>
+              </a:schemeClr>
+            </a:gs>
+            <a:gs pos="100000">
+              <a:schemeClr val="phClr">
+                <a:shade val="30000"/>
+                <a:satMod val="200000"/>
+              </a:schemeClr>
+            </a:gs>
+          </a:gsLst>
+          <a:path path="circle">
+            <a:fillToRect l="50000" t="50000" r="50000" b="50000"/>
+          </a:path>
+        </a:gradFill>
+      </a:bgFillStyleLst>
+    </a:fmtScheme>
+  </a:themeElements>
+</a:theme>
+</file>
+
+<file path=ppt/theme/theme2.xml><?xml version="1.0" encoding="utf-8"?>
 <a:theme xmlns:a="http://schemas.openxmlformats.org/drawingml/2006/main" xmlns:r="http://schemas.openxmlformats.org/officeDocument/2006/relationships">
   <a:themeElements>
     <a:clrScheme name="Default">
@@ -13162,283 +11728,4 @@
     </a:fmtScheme>
   </a:themeElements>
 </a:theme>
-</file>
-
-<file path=ppt/theme/theme2.xml><?xml version="1.0" encoding="utf-8"?>
-<a:theme xmlns:a="http://schemas.openxmlformats.org/drawingml/2006/main" xmlns:r="http://schemas.openxmlformats.org/officeDocument/2006/relationships" name="Focus">
-  <a:themeElements>
-    <a:clrScheme name="Focus">
-      <a:dk1>
-        <a:srgbClr val="1B212C"/>
-      </a:dk1>
-      <a:lt1>
-        <a:srgbClr val="FFFFFF"/>
-      </a:lt1>
-      <a:dk2>
-        <a:srgbClr val="D9D9D9"/>
-      </a:dk2>
-      <a:lt2>
-        <a:srgbClr val="82C7A5"/>
-      </a:lt2>
-      <a:accent1>
-        <a:srgbClr val="0145AC"/>
-      </a:accent1>
-      <a:accent2>
-        <a:srgbClr val="EECE1A"/>
-      </a:accent2>
-      <a:accent3>
-        <a:srgbClr val="4E5567"/>
-      </a:accent3>
-      <a:accent4>
-        <a:srgbClr val="F4D6AD"/>
-      </a:accent4>
-      <a:accent5>
-        <a:srgbClr val="7890CD"/>
-      </a:accent5>
-      <a:accent6>
-        <a:srgbClr val="F15E22"/>
-      </a:accent6>
-      <a:hlink>
-        <a:srgbClr val="7890CD"/>
-      </a:hlink>
-      <a:folHlink>
-        <a:srgbClr val="7890CD"/>
-      </a:folHlink>
-    </a:clrScheme>
-    <a:fontScheme name="Office">
-      <a:majorFont>
-        <a:latin typeface="Arial"/>
-        <a:ea typeface=""/>
-        <a:cs typeface=""/>
-        <a:font script="Jpan" typeface="ＭＳ Ｐゴシック"/>
-        <a:font script="Hang" typeface="맑은 고딕"/>
-        <a:font script="Hans" typeface="宋体"/>
-        <a:font script="Hant" typeface="新細明體"/>
-        <a:font script="Arab" typeface="Times New Roman"/>
-        <a:font script="Hebr" typeface="Times New Roman"/>
-        <a:font script="Thai" typeface="Angsana New"/>
-        <a:font script="Ethi" typeface="Nyala"/>
-        <a:font script="Beng" typeface="Vrinda"/>
-        <a:font script="Gujr" typeface="Shruti"/>
-        <a:font script="Khmr" typeface="MoolBoran"/>
-        <a:font script="Knda" typeface="Tunga"/>
-        <a:font script="Guru" typeface="Raavi"/>
-        <a:font script="Cans" typeface="Euphemia"/>
-        <a:font script="Cher" typeface="Plantagenet Cherokee"/>
-        <a:font script="Yiii" typeface="Microsoft Yi Baiti"/>
-        <a:font script="Tibt" typeface="Microsoft Himalaya"/>
-        <a:font script="Thaa" typeface="MV Boli"/>
-        <a:font script="Deva" typeface="Mangal"/>
-        <a:font script="Telu" typeface="Gautami"/>
-        <a:font script="Taml" typeface="Latha"/>
-        <a:font script="Syrc" typeface="Estrangelo Edessa"/>
-        <a:font script="Orya" typeface="Kalinga"/>
-        <a:font script="Mlym" typeface="Kartika"/>
-        <a:font script="Laoo" typeface="DokChampa"/>
-        <a:font script="Sinh" typeface="Iskoola Pota"/>
-        <a:font script="Mong" typeface="Mongolian Baiti"/>
-        <a:font script="Viet" typeface="Times New Roman"/>
-        <a:font script="Uigh" typeface="Microsoft Uighur"/>
-        <a:font script="Geor" typeface="Sylfaen"/>
-      </a:majorFont>
-      <a:minorFont>
-        <a:latin typeface="Arial"/>
-        <a:ea typeface=""/>
-        <a:cs typeface=""/>
-        <a:font script="Jpan" typeface="ＭＳ Ｐゴシック"/>
-        <a:font script="Hang" typeface="맑은 고딕"/>
-        <a:font script="Hans" typeface="宋体"/>
-        <a:font script="Hant" typeface="新細明體"/>
-        <a:font script="Arab" typeface="Arial"/>
-        <a:font script="Hebr" typeface="Arial"/>
-        <a:font script="Thai" typeface="Cordia New"/>
-        <a:font script="Ethi" typeface="Nyala"/>
-        <a:font script="Beng" typeface="Vrinda"/>
-        <a:font script="Gujr" typeface="Shruti"/>
-        <a:font script="Khmr" typeface="DaunPenh"/>
-        <a:font script="Knda" typeface="Tunga"/>
-        <a:font script="Guru" typeface="Raavi"/>
-        <a:font script="Cans" typeface="Euphemia"/>
-        <a:font script="Cher" typeface="Plantagenet Cherokee"/>
-        <a:font script="Yiii" typeface="Microsoft Yi Baiti"/>
-        <a:font script="Tibt" typeface="Microsoft Himalaya"/>
-        <a:font script="Thaa" typeface="MV Boli"/>
-        <a:font script="Deva" typeface="Mangal"/>
-        <a:font script="Telu" typeface="Gautami"/>
-        <a:font script="Taml" typeface="Latha"/>
-        <a:font script="Syrc" typeface="Estrangelo Edessa"/>
-        <a:font script="Orya" typeface="Kalinga"/>
-        <a:font script="Mlym" typeface="Kartika"/>
-        <a:font script="Laoo" typeface="DokChampa"/>
-        <a:font script="Sinh" typeface="Iskoola Pota"/>
-        <a:font script="Mong" typeface="Mongolian Baiti"/>
-        <a:font script="Viet" typeface="Arial"/>
-        <a:font script="Uigh" typeface="Microsoft Uighur"/>
-        <a:font script="Geor" typeface="Sylfaen"/>
-      </a:minorFont>
-    </a:fontScheme>
-    <a:fmtScheme name="Office">
-      <a:fillStyleLst>
-        <a:solidFill>
-          <a:schemeClr val="phClr"/>
-        </a:solidFill>
-        <a:gradFill rotWithShape="1">
-          <a:gsLst>
-            <a:gs pos="0">
-              <a:schemeClr val="phClr">
-                <a:tint val="50000"/>
-                <a:satMod val="300000"/>
-              </a:schemeClr>
-            </a:gs>
-            <a:gs pos="35000">
-              <a:schemeClr val="phClr">
-                <a:tint val="37000"/>
-                <a:satMod val="300000"/>
-              </a:schemeClr>
-            </a:gs>
-            <a:gs pos="100000">
-              <a:schemeClr val="phClr">
-                <a:tint val="15000"/>
-                <a:satMod val="350000"/>
-              </a:schemeClr>
-            </a:gs>
-          </a:gsLst>
-          <a:lin ang="16200000" scaled="1"/>
-        </a:gradFill>
-        <a:gradFill rotWithShape="1">
-          <a:gsLst>
-            <a:gs pos="0">
-              <a:schemeClr val="phClr">
-                <a:tint val="100000"/>
-                <a:shade val="100000"/>
-                <a:satMod val="130000"/>
-              </a:schemeClr>
-            </a:gs>
-            <a:gs pos="100000">
-              <a:schemeClr val="phClr">
-                <a:tint val="50000"/>
-                <a:shade val="100000"/>
-                <a:satMod val="350000"/>
-              </a:schemeClr>
-            </a:gs>
-          </a:gsLst>
-          <a:lin ang="16200000" scaled="0"/>
-        </a:gradFill>
-      </a:fillStyleLst>
-      <a:lnStyleLst>
-        <a:ln w="9525" cap="flat" cmpd="sng" algn="ctr">
-          <a:solidFill>
-            <a:schemeClr val="phClr">
-              <a:shade val="95000"/>
-              <a:satMod val="105000"/>
-            </a:schemeClr>
-          </a:solidFill>
-          <a:prstDash val="solid"/>
-        </a:ln>
-        <a:ln w="25400" cap="flat" cmpd="sng" algn="ctr">
-          <a:solidFill>
-            <a:schemeClr val="phClr"/>
-          </a:solidFill>
-          <a:prstDash val="solid"/>
-        </a:ln>
-        <a:ln w="38100" cap="flat" cmpd="sng" algn="ctr">
-          <a:solidFill>
-            <a:schemeClr val="phClr"/>
-          </a:solidFill>
-          <a:prstDash val="solid"/>
-        </a:ln>
-      </a:lnStyleLst>
-      <a:effectStyleLst>
-        <a:effectStyle>
-          <a:effectLst>
-            <a:outerShdw blurRad="40000" dist="20000" dir="5400000" rotWithShape="0">
-              <a:srgbClr val="000000">
-                <a:alpha val="38000"/>
-              </a:srgbClr>
-            </a:outerShdw>
-          </a:effectLst>
-        </a:effectStyle>
-        <a:effectStyle>
-          <a:effectLst>
-            <a:outerShdw blurRad="40000" dist="23000" dir="5400000" rotWithShape="0">
-              <a:srgbClr val="000000">
-                <a:alpha val="35000"/>
-              </a:srgbClr>
-            </a:outerShdw>
-          </a:effectLst>
-        </a:effectStyle>
-        <a:effectStyle>
-          <a:effectLst>
-            <a:outerShdw blurRad="40000" dist="23000" dir="5400000" rotWithShape="0">
-              <a:srgbClr val="000000">
-                <a:alpha val="35000"/>
-              </a:srgbClr>
-            </a:outerShdw>
-          </a:effectLst>
-          <a:scene3d>
-            <a:camera prst="orthographicFront">
-              <a:rot lat="0" lon="0" rev="0"/>
-            </a:camera>
-            <a:lightRig rig="threePt" dir="t">
-              <a:rot lat="0" lon="0" rev="1200000"/>
-            </a:lightRig>
-          </a:scene3d>
-          <a:sp3d>
-            <a:bevelT w="63500" h="25400"/>
-          </a:sp3d>
-        </a:effectStyle>
-      </a:effectStyleLst>
-      <a:bgFillStyleLst>
-        <a:solidFill>
-          <a:schemeClr val="phClr"/>
-        </a:solidFill>
-        <a:gradFill rotWithShape="1">
-          <a:gsLst>
-            <a:gs pos="0">
-              <a:schemeClr val="phClr">
-                <a:tint val="40000"/>
-                <a:satMod val="350000"/>
-              </a:schemeClr>
-            </a:gs>
-            <a:gs pos="40000">
-              <a:schemeClr val="phClr">
-                <a:tint val="45000"/>
-                <a:shade val="99000"/>
-                <a:satMod val="350000"/>
-              </a:schemeClr>
-            </a:gs>
-            <a:gs pos="100000">
-              <a:schemeClr val="phClr">
-                <a:shade val="20000"/>
-                <a:satMod val="255000"/>
-              </a:schemeClr>
-            </a:gs>
-          </a:gsLst>
-          <a:path path="circle">
-            <a:fillToRect l="50000" t="-80000" r="50000" b="180000"/>
-          </a:path>
-        </a:gradFill>
-        <a:gradFill rotWithShape="1">
-          <a:gsLst>
-            <a:gs pos="0">
-              <a:schemeClr val="phClr">
-                <a:tint val="80000"/>
-                <a:satMod val="300000"/>
-              </a:schemeClr>
-            </a:gs>
-            <a:gs pos="100000">
-              <a:schemeClr val="phClr">
-                <a:shade val="30000"/>
-                <a:satMod val="200000"/>
-              </a:schemeClr>
-            </a:gs>
-          </a:gsLst>
-          <a:path path="circle">
-            <a:fillToRect l="50000" t="50000" r="50000" b="50000"/>
-          </a:path>
-        </a:gradFill>
-      </a:bgFillStyleLst>
-    </a:fmtScheme>
-  </a:themeElements>
-</a:theme>
 </file>